--- a/trunk/Capitulos Finales/Filminas.pptx
+++ b/trunk/Capitulos Finales/Filminas.pptx
@@ -5,7 +5,7 @@
     <p:sldMasterId id="2147483984" r:id="rId1"/>
   </p:sldMasterIdLst>
   <p:notesMasterIdLst>
-    <p:notesMasterId r:id="rId29"/>
+    <p:notesMasterId r:id="rId34"/>
   </p:notesMasterIdLst>
   <p:sldIdLst>
     <p:sldId id="256" r:id="rId2"/>
@@ -19,22 +19,27 @@
     <p:sldId id="263" r:id="rId10"/>
     <p:sldId id="292" r:id="rId11"/>
     <p:sldId id="264" r:id="rId12"/>
-    <p:sldId id="267" r:id="rId13"/>
-    <p:sldId id="268" r:id="rId14"/>
-    <p:sldId id="293" r:id="rId15"/>
-    <p:sldId id="269" r:id="rId16"/>
-    <p:sldId id="270" r:id="rId17"/>
-    <p:sldId id="277" r:id="rId18"/>
-    <p:sldId id="271" r:id="rId19"/>
-    <p:sldId id="278" r:id="rId20"/>
-    <p:sldId id="272" r:id="rId21"/>
-    <p:sldId id="294" r:id="rId22"/>
-    <p:sldId id="296" r:id="rId23"/>
-    <p:sldId id="273" r:id="rId24"/>
-    <p:sldId id="295" r:id="rId25"/>
-    <p:sldId id="275" r:id="rId26"/>
-    <p:sldId id="276" r:id="rId27"/>
-    <p:sldId id="298" r:id="rId28"/>
+    <p:sldId id="300" r:id="rId13"/>
+    <p:sldId id="299" r:id="rId14"/>
+    <p:sldId id="301" r:id="rId15"/>
+    <p:sldId id="302" r:id="rId16"/>
+    <p:sldId id="303" r:id="rId17"/>
+    <p:sldId id="304" r:id="rId18"/>
+    <p:sldId id="268" r:id="rId19"/>
+    <p:sldId id="293" r:id="rId20"/>
+    <p:sldId id="269" r:id="rId21"/>
+    <p:sldId id="270" r:id="rId22"/>
+    <p:sldId id="277" r:id="rId23"/>
+    <p:sldId id="271" r:id="rId24"/>
+    <p:sldId id="278" r:id="rId25"/>
+    <p:sldId id="272" r:id="rId26"/>
+    <p:sldId id="294" r:id="rId27"/>
+    <p:sldId id="296" r:id="rId28"/>
+    <p:sldId id="273" r:id="rId29"/>
+    <p:sldId id="295" r:id="rId30"/>
+    <p:sldId id="275" r:id="rId31"/>
+    <p:sldId id="276" r:id="rId32"/>
+    <p:sldId id="298" r:id="rId33"/>
   </p:sldIdLst>
   <p:sldSz cx="9144000" cy="6858000" type="screen4x3"/>
   <p:notesSz cx="6858000" cy="9144000"/>
@@ -4795,7 +4800,7 @@
 </file>
 
 <file path=ppt/slides/slide12.xml><?xml version="1.0" encoding="utf-8"?>
-<p:sld xmlns:a="http://schemas.openxmlformats.org/drawingml/2006/main" xmlns:r="http://schemas.openxmlformats.org/officeDocument/2006/relationships" xmlns:p="http://schemas.openxmlformats.org/presentationml/2006/main" showMasterSp="0">
+<p:sld xmlns:a="http://schemas.openxmlformats.org/drawingml/2006/main" xmlns:r="http://schemas.openxmlformats.org/officeDocument/2006/relationships" xmlns:p="http://schemas.openxmlformats.org/presentationml/2006/main">
   <p:cSld>
     <p:spTree>
       <p:nvGrpSpPr>
@@ -4811,20 +4816,45 @@
           <a:chExt cx="0" cy="0"/>
         </a:xfrm>
       </p:grpSpPr>
-      <p:sp>
-        <p:nvSpPr>
-          <p:cNvPr id="9" name="8 Rectángulo redondeado"/>
+      <p:graphicFrame>
+        <p:nvGraphicFramePr>
+          <p:cNvPr id="28680" name="Object 8"/>
+          <p:cNvGraphicFramePr>
+            <a:graphicFrameLocks noChangeAspect="1"/>
+          </p:cNvGraphicFramePr>
+          <p:nvPr/>
+        </p:nvGraphicFramePr>
+        <p:xfrm>
+          <a:off x="518983" y="1124464"/>
+          <a:ext cx="8210552" cy="5115697"/>
+        </p:xfrm>
+        <a:graphic>
+          <a:graphicData uri="http://schemas.openxmlformats.org/presentationml/2006/ole">
+            <p:oleObj spid="_x0000_s28680" name="Visio" r:id="rId3" imgW="5536846" imgH="3445815" progId="Visio.Drawing.11">
+              <p:embed/>
+            </p:oleObj>
+          </a:graphicData>
+        </a:graphic>
+      </p:graphicFrame>
+      <p:sp>
+        <p:nvSpPr>
+          <p:cNvPr id="8" name="7 Rectángulo redondeado"/>
           <p:cNvSpPr/>
           <p:nvPr/>
         </p:nvSpPr>
         <p:spPr>
           <a:xfrm>
-            <a:off x="1936244" y="2187146"/>
-            <a:ext cx="3673724" cy="2163907"/>
+            <a:off x="2376823" y="1062681"/>
+            <a:ext cx="6309978" cy="1519881"/>
           </a:xfrm>
           <a:prstGeom prst="roundRect">
             <a:avLst/>
           </a:prstGeom>
+          <a:solidFill>
+            <a:srgbClr val="00CCFF">
+              <a:alpha val="12157"/>
+            </a:srgbClr>
+          </a:solidFill>
         </p:spPr>
         <p:style>
           <a:lnRef idx="1">
@@ -4851,125 +4881,103 @@
       </p:sp>
       <p:sp>
         <p:nvSpPr>
-          <p:cNvPr id="8" name="7 Rectángulo redondeado"/>
-          <p:cNvSpPr/>
+          <p:cNvPr id="2" name="1 Título"/>
+          <p:cNvSpPr>
+            <a:spLocks noGrp="1"/>
+          </p:cNvSpPr>
+          <p:nvPr>
+            <p:ph type="title"/>
+          </p:nvPr>
+        </p:nvSpPr>
+        <p:spPr/>
+        <p:txBody>
+          <a:bodyPr/>
+          <a:lstStyle/>
+          <a:p>
+            <a:r>
+              <a:rPr lang="es-ES" dirty="0" smtClean="0"/>
+              <a:t>Proceso</a:t>
+            </a:r>
+            <a:endParaRPr lang="es-ES" dirty="0"/>
+          </a:p>
+        </p:txBody>
+      </p:sp>
+      <p:sp>
+        <p:nvSpPr>
+          <p:cNvPr id="28676" name="Rectangle 4"/>
+          <p:cNvSpPr>
+            <a:spLocks noChangeArrowheads="1"/>
+          </p:cNvSpPr>
           <p:nvPr/>
         </p:nvSpPr>
-        <p:spPr>
+        <p:spPr bwMode="auto">
           <a:xfrm>
-            <a:off x="2154401" y="1013533"/>
-            <a:ext cx="2664734" cy="1062402"/>
+            <a:off x="0" y="0"/>
+            <a:ext cx="9144000" cy="0"/>
           </a:xfrm>
-          <a:prstGeom prst="roundRect">
+          <a:prstGeom prst="rect">
             <a:avLst/>
           </a:prstGeom>
+          <a:noFill/>
+          <a:ln w="9525">
+            <a:noFill/>
+            <a:miter lim="800000"/>
+            <a:headEnd/>
+            <a:tailEnd/>
+          </a:ln>
+          <a:effectLst/>
         </p:spPr>
-        <p:style>
-          <a:lnRef idx="1">
-            <a:schemeClr val="accent3"/>
-          </a:lnRef>
-          <a:fillRef idx="3">
-            <a:schemeClr val="accent3"/>
-          </a:fillRef>
-          <a:effectRef idx="2">
-            <a:schemeClr val="accent3"/>
-          </a:effectRef>
-          <a:fontRef idx="minor">
-            <a:schemeClr val="lt1"/>
-          </a:fontRef>
-        </p:style>
-        <p:txBody>
-          <a:bodyPr rtlCol="0" anchor="ctr"/>
-          <a:lstStyle/>
-          <a:p>
-            <a:pPr algn="ctr"/>
-            <a:endParaRPr lang="es-ES_tradnl" dirty="0"/>
-          </a:p>
-        </p:txBody>
-      </p:sp>
-      <p:sp>
-        <p:nvSpPr>
-          <p:cNvPr id="2" name="1 Título"/>
-          <p:cNvSpPr>
-            <a:spLocks noGrp="1"/>
-          </p:cNvSpPr>
-          <p:nvPr>
-            <p:ph type="title"/>
-          </p:nvPr>
-        </p:nvSpPr>
-        <p:spPr/>
-        <p:txBody>
-          <a:bodyPr/>
-          <a:lstStyle/>
-          <a:p>
-            <a:r>
-              <a:rPr lang="es-ES" dirty="0" smtClean="0"/>
-              <a:t>Proceso</a:t>
-            </a:r>
-            <a:endParaRPr lang="es-ES" dirty="0"/>
-          </a:p>
-        </p:txBody>
-      </p:sp>
-      <p:sp>
-        <p:nvSpPr>
-          <p:cNvPr id="10" name="9 Rectángulo redondeado"/>
-          <p:cNvSpPr/>
+        <p:txBody>
+          <a:bodyPr vert="horz" wrap="none" lIns="91440" tIns="45720" rIns="91440" bIns="45720" numCol="1" anchor="ctr" anchorCtr="0" compatLnSpc="1">
+            <a:prstTxWarp prst="textNoShape">
+              <a:avLst/>
+            </a:prstTxWarp>
+            <a:spAutoFit/>
+          </a:bodyPr>
+          <a:lstStyle/>
+          <a:p>
+            <a:endParaRPr lang="es-ES_tradnl"/>
+          </a:p>
+        </p:txBody>
+      </p:sp>
+      <p:sp>
+        <p:nvSpPr>
+          <p:cNvPr id="28681" name="Rectangle 9"/>
+          <p:cNvSpPr>
+            <a:spLocks noChangeArrowheads="1"/>
+          </p:cNvSpPr>
           <p:nvPr/>
         </p:nvSpPr>
-        <p:spPr>
+        <p:spPr bwMode="auto">
           <a:xfrm>
-            <a:off x="713801" y="4437550"/>
-            <a:ext cx="6329549" cy="2062104"/>
+            <a:off x="0" y="0"/>
+            <a:ext cx="9144000" cy="0"/>
           </a:xfrm>
-          <a:prstGeom prst="roundRect">
+          <a:prstGeom prst="rect">
             <a:avLst/>
           </a:prstGeom>
+          <a:noFill/>
+          <a:ln w="9525">
+            <a:noFill/>
+            <a:miter lim="800000"/>
+            <a:headEnd/>
+            <a:tailEnd/>
+          </a:ln>
+          <a:effectLst/>
         </p:spPr>
-        <p:style>
-          <a:lnRef idx="1">
-            <a:schemeClr val="accent3"/>
-          </a:lnRef>
-          <a:fillRef idx="3">
-            <a:schemeClr val="accent3"/>
-          </a:fillRef>
-          <a:effectRef idx="2">
-            <a:schemeClr val="accent3"/>
-          </a:effectRef>
-          <a:fontRef idx="minor">
-            <a:schemeClr val="lt1"/>
-          </a:fontRef>
-        </p:style>
-        <p:txBody>
-          <a:bodyPr rtlCol="0" anchor="ctr"/>
-          <a:lstStyle/>
-          <a:p>
-            <a:pPr algn="ctr"/>
-            <a:endParaRPr lang="es-ES_tradnl" dirty="0"/>
-          </a:p>
-        </p:txBody>
-      </p:sp>
-      <p:graphicFrame>
-        <p:nvGraphicFramePr>
-          <p:cNvPr id="1026" name="Object 2"/>
-          <p:cNvGraphicFramePr>
-            <a:graphicFrameLocks noChangeAspect="1"/>
-          </p:cNvGraphicFramePr>
-          <p:nvPr>
-            <p:ph sz="quarter" idx="1"/>
-          </p:nvPr>
-        </p:nvGraphicFramePr>
-        <p:xfrm>
-          <a:off x="939113" y="1120227"/>
-          <a:ext cx="7612235" cy="5737773"/>
-        </p:xfrm>
-        <a:graphic>
-          <a:graphicData uri="http://schemas.openxmlformats.org/presentationml/2006/ole">
-            <p:oleObj spid="_x0000_s1026" name="Visio" r:id="rId3" imgW="6961529" imgH="5247359" progId="Visio.Drawing.11">
-              <p:embed/>
-            </p:oleObj>
-          </a:graphicData>
-        </a:graphic>
-      </p:graphicFrame>
+        <p:txBody>
+          <a:bodyPr vert="horz" wrap="none" lIns="91440" tIns="45720" rIns="91440" bIns="45720" numCol="1" anchor="ctr" anchorCtr="0" compatLnSpc="1">
+            <a:prstTxWarp prst="textNoShape">
+              <a:avLst/>
+            </a:prstTxWarp>
+            <a:spAutoFit/>
+          </a:bodyPr>
+          <a:lstStyle/>
+          <a:p>
+            <a:endParaRPr lang="es-ES_tradnl"/>
+          </a:p>
+        </p:txBody>
+      </p:sp>
     </p:spTree>
   </p:cSld>
   <p:clrMapOvr>
@@ -5089,27 +5097,351 @@
                       </p:childTnLst>
                     </p:cTn>
                   </p:par>
+                </p:childTnLst>
+              </p:cTn>
+              <p:prevCondLst>
+                <p:cond evt="onPrev" delay="0">
+                  <p:tgtEl>
+                    <p:sldTgt/>
+                  </p:tgtEl>
+                </p:cond>
+              </p:prevCondLst>
+              <p:nextCondLst>
+                <p:cond evt="onNext" delay="0">
+                  <p:tgtEl>
+                    <p:sldTgt/>
+                  </p:tgtEl>
+                </p:cond>
+              </p:nextCondLst>
+            </p:seq>
+          </p:childTnLst>
+        </p:cTn>
+      </p:par>
+    </p:tnLst>
+    <p:bldLst>
+      <p:bldP spid="8" grpId="0" animBg="1"/>
+      <p:bldP spid="8" grpId="1" animBg="1"/>
+    </p:bldLst>
+  </p:timing>
+</p:sld>
+</file>
+
+<file path=ppt/slides/slide13.xml><?xml version="1.0" encoding="utf-8"?>
+<p:sld xmlns:a="http://schemas.openxmlformats.org/drawingml/2006/main" xmlns:r="http://schemas.openxmlformats.org/officeDocument/2006/relationships" xmlns:p="http://schemas.openxmlformats.org/presentationml/2006/main">
+  <p:cSld>
+    <p:spTree>
+      <p:nvGrpSpPr>
+        <p:cNvPr id="1" name=""/>
+        <p:cNvGrpSpPr/>
+        <p:nvPr/>
+      </p:nvGrpSpPr>
+      <p:grpSpPr>
+        <a:xfrm>
+          <a:off x="0" y="0"/>
+          <a:ext cx="0" cy="0"/>
+          <a:chOff x="0" y="0"/>
+          <a:chExt cx="0" cy="0"/>
+        </a:xfrm>
+      </p:grpSpPr>
+      <p:sp>
+        <p:nvSpPr>
+          <p:cNvPr id="2" name="1 Título"/>
+          <p:cNvSpPr>
+            <a:spLocks noGrp="1"/>
+          </p:cNvSpPr>
+          <p:nvPr>
+            <p:ph type="title"/>
+          </p:nvPr>
+        </p:nvSpPr>
+        <p:spPr/>
+        <p:txBody>
+          <a:bodyPr/>
+          <a:lstStyle/>
+          <a:p>
+            <a:r>
+              <a:rPr lang="es-ES_tradnl" dirty="0" smtClean="0"/>
+              <a:t>Entrada</a:t>
+            </a:r>
+            <a:endParaRPr lang="es-ES_tradnl" dirty="0"/>
+          </a:p>
+        </p:txBody>
+      </p:sp>
+      <p:sp>
+        <p:nvSpPr>
+          <p:cNvPr id="3" name="2 Marcador de contenido"/>
+          <p:cNvSpPr>
+            <a:spLocks noGrp="1"/>
+          </p:cNvSpPr>
+          <p:nvPr>
+            <p:ph sz="quarter" idx="1"/>
+          </p:nvPr>
+        </p:nvSpPr>
+        <p:spPr/>
+        <p:txBody>
+          <a:bodyPr/>
+          <a:lstStyle/>
+          <a:p>
+            <a:r>
+              <a:rPr lang="es-ES_tradnl" dirty="0" smtClean="0"/>
+              <a:t>Casos de Uso </a:t>
+            </a:r>
+          </a:p>
+          <a:p>
+            <a:r>
+              <a:rPr lang="es-ES_tradnl" dirty="0" smtClean="0"/>
+              <a:t>Aspectos tempranos identificados mediante una herramienta de identificación de aspectos en requerimientos</a:t>
+            </a:r>
+          </a:p>
+          <a:p>
+            <a:pPr lvl="1"/>
+            <a:r>
+              <a:rPr lang="es-ES_tradnl" dirty="0" smtClean="0"/>
+              <a:t> </a:t>
+            </a:r>
+            <a:r>
+              <a:rPr lang="es-ES_tradnl" dirty="0" err="1" smtClean="0"/>
+              <a:t>Aspect</a:t>
+            </a:r>
+            <a:r>
+              <a:rPr lang="es-ES_tradnl" dirty="0" smtClean="0"/>
+              <a:t> Extractor </a:t>
+            </a:r>
+            <a:r>
+              <a:rPr lang="es-ES_tradnl" dirty="0" err="1" smtClean="0"/>
+              <a:t>Tool</a:t>
+            </a:r>
+            <a:endParaRPr lang="es-ES_tradnl" dirty="0"/>
+          </a:p>
+        </p:txBody>
+      </p:sp>
+    </p:spTree>
+  </p:cSld>
+  <p:clrMapOvr>
+    <a:masterClrMapping/>
+  </p:clrMapOvr>
+  <p:timing>
+    <p:tnLst>
+      <p:par>
+        <p:cTn id="1" dur="indefinite" restart="never" nodeType="tmRoot"/>
+      </p:par>
+    </p:tnLst>
+  </p:timing>
+</p:sld>
+</file>
+
+<file path=ppt/slides/slide14.xml><?xml version="1.0" encoding="utf-8"?>
+<p:sld xmlns:a="http://schemas.openxmlformats.org/drawingml/2006/main" xmlns:r="http://schemas.openxmlformats.org/officeDocument/2006/relationships" xmlns:p="http://schemas.openxmlformats.org/presentationml/2006/main">
+  <p:cSld>
+    <p:spTree>
+      <p:nvGrpSpPr>
+        <p:cNvPr id="1" name=""/>
+        <p:cNvGrpSpPr/>
+        <p:nvPr/>
+      </p:nvGrpSpPr>
+      <p:grpSpPr>
+        <a:xfrm>
+          <a:off x="0" y="0"/>
+          <a:ext cx="0" cy="0"/>
+          <a:chOff x="0" y="0"/>
+          <a:chExt cx="0" cy="0"/>
+        </a:xfrm>
+      </p:grpSpPr>
+      <p:graphicFrame>
+        <p:nvGraphicFramePr>
+          <p:cNvPr id="28680" name="Object 8"/>
+          <p:cNvGraphicFramePr>
+            <a:graphicFrameLocks noChangeAspect="1"/>
+          </p:cNvGraphicFramePr>
+          <p:nvPr/>
+        </p:nvGraphicFramePr>
+        <p:xfrm>
+          <a:off x="518983" y="1124464"/>
+          <a:ext cx="8210552" cy="5115697"/>
+        </p:xfrm>
+        <a:graphic>
+          <a:graphicData uri="http://schemas.openxmlformats.org/presentationml/2006/ole">
+            <p:oleObj spid="_x0000_s46082" name="Visio" r:id="rId3" imgW="5536846" imgH="3445815" progId="Visio.Drawing.11">
+              <p:embed/>
+            </p:oleObj>
+          </a:graphicData>
+        </a:graphic>
+      </p:graphicFrame>
+      <p:sp>
+        <p:nvSpPr>
+          <p:cNvPr id="2" name="1 Título"/>
+          <p:cNvSpPr>
+            <a:spLocks noGrp="1"/>
+          </p:cNvSpPr>
+          <p:nvPr>
+            <p:ph type="title"/>
+          </p:nvPr>
+        </p:nvSpPr>
+        <p:spPr/>
+        <p:txBody>
+          <a:bodyPr/>
+          <a:lstStyle/>
+          <a:p>
+            <a:r>
+              <a:rPr lang="es-ES" dirty="0" smtClean="0"/>
+              <a:t>Proceso</a:t>
+            </a:r>
+            <a:endParaRPr lang="es-ES" dirty="0"/>
+          </a:p>
+        </p:txBody>
+      </p:sp>
+      <p:sp>
+        <p:nvSpPr>
+          <p:cNvPr id="9" name="8 Rectángulo redondeado"/>
+          <p:cNvSpPr/>
+          <p:nvPr/>
+        </p:nvSpPr>
+        <p:spPr>
+          <a:xfrm>
+            <a:off x="2331659" y="2638862"/>
+            <a:ext cx="4628485" cy="1735429"/>
+          </a:xfrm>
+          <a:prstGeom prst="roundRect">
+            <a:avLst/>
+          </a:prstGeom>
+          <a:solidFill>
+            <a:srgbClr val="00CCFF">
+              <a:alpha val="12157"/>
+            </a:srgbClr>
+          </a:solidFill>
+        </p:spPr>
+        <p:style>
+          <a:lnRef idx="1">
+            <a:schemeClr val="accent3"/>
+          </a:lnRef>
+          <a:fillRef idx="3">
+            <a:schemeClr val="accent3"/>
+          </a:fillRef>
+          <a:effectRef idx="2">
+            <a:schemeClr val="accent3"/>
+          </a:effectRef>
+          <a:fontRef idx="minor">
+            <a:schemeClr val="lt1"/>
+          </a:fontRef>
+        </p:style>
+        <p:txBody>
+          <a:bodyPr rtlCol="0" anchor="ctr"/>
+          <a:lstStyle/>
+          <a:p>
+            <a:pPr algn="ctr"/>
+            <a:endParaRPr lang="es-ES_tradnl" dirty="0"/>
+          </a:p>
+        </p:txBody>
+      </p:sp>
+      <p:sp>
+        <p:nvSpPr>
+          <p:cNvPr id="28676" name="Rectangle 4"/>
+          <p:cNvSpPr>
+            <a:spLocks noChangeArrowheads="1"/>
+          </p:cNvSpPr>
+          <p:nvPr/>
+        </p:nvSpPr>
+        <p:spPr bwMode="auto">
+          <a:xfrm>
+            <a:off x="0" y="0"/>
+            <a:ext cx="9144000" cy="0"/>
+          </a:xfrm>
+          <a:prstGeom prst="rect">
+            <a:avLst/>
+          </a:prstGeom>
+          <a:noFill/>
+          <a:ln w="9525">
+            <a:noFill/>
+            <a:miter lim="800000"/>
+            <a:headEnd/>
+            <a:tailEnd/>
+          </a:ln>
+          <a:effectLst/>
+        </p:spPr>
+        <p:txBody>
+          <a:bodyPr vert="horz" wrap="none" lIns="91440" tIns="45720" rIns="91440" bIns="45720" numCol="1" anchor="ctr" anchorCtr="0" compatLnSpc="1">
+            <a:prstTxWarp prst="textNoShape">
+              <a:avLst/>
+            </a:prstTxWarp>
+            <a:spAutoFit/>
+          </a:bodyPr>
+          <a:lstStyle/>
+          <a:p>
+            <a:endParaRPr lang="es-ES_tradnl"/>
+          </a:p>
+        </p:txBody>
+      </p:sp>
+      <p:sp>
+        <p:nvSpPr>
+          <p:cNvPr id="28681" name="Rectangle 9"/>
+          <p:cNvSpPr>
+            <a:spLocks noChangeArrowheads="1"/>
+          </p:cNvSpPr>
+          <p:nvPr/>
+        </p:nvSpPr>
+        <p:spPr bwMode="auto">
+          <a:xfrm>
+            <a:off x="0" y="0"/>
+            <a:ext cx="9144000" cy="0"/>
+          </a:xfrm>
+          <a:prstGeom prst="rect">
+            <a:avLst/>
+          </a:prstGeom>
+          <a:noFill/>
+          <a:ln w="9525">
+            <a:noFill/>
+            <a:miter lim="800000"/>
+            <a:headEnd/>
+            <a:tailEnd/>
+          </a:ln>
+          <a:effectLst/>
+        </p:spPr>
+        <p:txBody>
+          <a:bodyPr vert="horz" wrap="none" lIns="91440" tIns="45720" rIns="91440" bIns="45720" numCol="1" anchor="ctr" anchorCtr="0" compatLnSpc="1">
+            <a:prstTxWarp prst="textNoShape">
+              <a:avLst/>
+            </a:prstTxWarp>
+            <a:spAutoFit/>
+          </a:bodyPr>
+          <a:lstStyle/>
+          <a:p>
+            <a:endParaRPr lang="es-ES_tradnl"/>
+          </a:p>
+        </p:txBody>
+      </p:sp>
+    </p:spTree>
+  </p:cSld>
+  <p:clrMapOvr>
+    <a:masterClrMapping/>
+  </p:clrMapOvr>
+  <p:timing>
+    <p:tnLst>
+      <p:par>
+        <p:cTn id="1" dur="indefinite" restart="never" nodeType="tmRoot">
+          <p:childTnLst>
+            <p:seq concurrent="1" nextAc="seek">
+              <p:cTn id="2" dur="indefinite" nodeType="mainSeq">
+                <p:childTnLst>
                   <p:par>
-                    <p:cTn id="13" fill="hold">
+                    <p:cTn id="3" fill="hold">
                       <p:stCondLst>
                         <p:cond delay="indefinite"/>
                       </p:stCondLst>
                       <p:childTnLst>
                         <p:par>
-                          <p:cTn id="14" fill="hold">
+                          <p:cTn id="4" fill="hold">
                             <p:stCondLst>
                               <p:cond delay="0"/>
                             </p:stCondLst>
                             <p:childTnLst>
                               <p:par>
-                                <p:cTn id="15" presetID="4" presetClass="entr" presetSubtype="16" fill="hold" grpId="0" nodeType="clickEffect">
+                                <p:cTn id="5" presetID="4" presetClass="entr" presetSubtype="16" fill="hold" grpId="0" nodeType="clickEffect">
                                   <p:stCondLst>
                                     <p:cond delay="0"/>
                                   </p:stCondLst>
                                   <p:childTnLst>
                                     <p:set>
                                       <p:cBhvr>
-                                        <p:cTn id="16" dur="1" fill="hold">
+                                        <p:cTn id="6" dur="1" fill="hold">
                                           <p:stCondLst>
                                             <p:cond delay="0"/>
                                           </p:stCondLst>
@@ -5127,7 +5459,7 @@
                                     </p:set>
                                     <p:animEffect transition="in" filter="box(in)">
                                       <p:cBhvr>
-                                        <p:cTn id="17" dur="500"/>
+                                        <p:cTn id="7" dur="500"/>
                                         <p:tgtEl>
                                           <p:spTgt spid="9"/>
                                         </p:tgtEl>
@@ -5143,26 +5475,26 @@
                     </p:cTn>
                   </p:par>
                   <p:par>
-                    <p:cTn id="18" fill="hold">
+                    <p:cTn id="8" fill="hold">
                       <p:stCondLst>
                         <p:cond delay="indefinite"/>
                       </p:stCondLst>
                       <p:childTnLst>
                         <p:par>
-                          <p:cTn id="19" fill="hold">
+                          <p:cTn id="9" fill="hold">
                             <p:stCondLst>
                               <p:cond delay="0"/>
                             </p:stCondLst>
                             <p:childTnLst>
                               <p:par>
-                                <p:cTn id="20" presetID="8" presetClass="exit" presetSubtype="16" fill="hold" grpId="1" nodeType="clickEffect">
+                                <p:cTn id="10" presetID="8" presetClass="exit" presetSubtype="16" fill="hold" grpId="1" nodeType="clickEffect">
                                   <p:stCondLst>
                                     <p:cond delay="0"/>
                                   </p:stCondLst>
                                   <p:childTnLst>
                                     <p:animEffect transition="out" filter="diamond(in)">
                                       <p:cBhvr>
-                                        <p:cTn id="21" dur="2000"/>
+                                        <p:cTn id="11" dur="2000"/>
                                         <p:tgtEl>
                                           <p:spTgt spid="9"/>
                                         </p:tgtEl>
@@ -5170,7 +5502,7 @@
                                     </p:animEffect>
                                     <p:set>
                                       <p:cBhvr>
-                                        <p:cTn id="22" dur="1" fill="hold">
+                                        <p:cTn id="12" dur="1" fill="hold">
                                           <p:stCondLst>
                                             <p:cond delay="1999"/>
                                           </p:stCondLst>
@@ -5186,59 +5518,6 @@
                                         <p:strVal val="hidden"/>
                                       </p:to>
                                     </p:set>
-                                  </p:childTnLst>
-                                </p:cTn>
-                              </p:par>
-                            </p:childTnLst>
-                          </p:cTn>
-                        </p:par>
-                      </p:childTnLst>
-                    </p:cTn>
-                  </p:par>
-                  <p:par>
-                    <p:cTn id="23" fill="hold">
-                      <p:stCondLst>
-                        <p:cond delay="indefinite"/>
-                      </p:stCondLst>
-                      <p:childTnLst>
-                        <p:par>
-                          <p:cTn id="24" fill="hold">
-                            <p:stCondLst>
-                              <p:cond delay="0"/>
-                            </p:stCondLst>
-                            <p:childTnLst>
-                              <p:par>
-                                <p:cTn id="25" presetID="4" presetClass="entr" presetSubtype="16" fill="hold" grpId="0" nodeType="clickEffect">
-                                  <p:stCondLst>
-                                    <p:cond delay="0"/>
-                                  </p:stCondLst>
-                                  <p:childTnLst>
-                                    <p:set>
-                                      <p:cBhvr>
-                                        <p:cTn id="26" dur="1" fill="hold">
-                                          <p:stCondLst>
-                                            <p:cond delay="0"/>
-                                          </p:stCondLst>
-                                        </p:cTn>
-                                        <p:tgtEl>
-                                          <p:spTgt spid="10"/>
-                                        </p:tgtEl>
-                                        <p:attrNameLst>
-                                          <p:attrName>style.visibility</p:attrName>
-                                        </p:attrNameLst>
-                                      </p:cBhvr>
-                                      <p:to>
-                                        <p:strVal val="visible"/>
-                                      </p:to>
-                                    </p:set>
-                                    <p:animEffect transition="in" filter="box(in)">
-                                      <p:cBhvr>
-                                        <p:cTn id="27" dur="500"/>
-                                        <p:tgtEl>
-                                          <p:spTgt spid="10"/>
-                                        </p:tgtEl>
-                                      </p:cBhvr>
-                                    </p:animEffect>
                                   </p:childTnLst>
                                 </p:cTn>
                               </p:par>
@@ -5272,15 +5551,12 @@
     <p:bldLst>
       <p:bldP spid="9" grpId="0" animBg="1"/>
       <p:bldP spid="9" grpId="1" animBg="1"/>
-      <p:bldP spid="8" grpId="0" animBg="1"/>
-      <p:bldP spid="8" grpId="1" animBg="1"/>
-      <p:bldP spid="10" grpId="0" animBg="1"/>
     </p:bldLst>
   </p:timing>
 </p:sld>
 </file>
 
-<file path=ppt/slides/slide13.xml><?xml version="1.0" encoding="utf-8"?>
+<file path=ppt/slides/slide15.xml><?xml version="1.0" encoding="utf-8"?>
 <p:sld xmlns:a="http://schemas.openxmlformats.org/drawingml/2006/main" xmlns:r="http://schemas.openxmlformats.org/officeDocument/2006/relationships" xmlns:p="http://schemas.openxmlformats.org/presentationml/2006/main">
   <p:cSld>
     <p:spTree>
@@ -5313,6 +5589,503 @@
           <a:lstStyle/>
           <a:p>
             <a:r>
+              <a:rPr lang="es-ES_tradnl" dirty="0" smtClean="0"/>
+              <a:t>Generación de </a:t>
+            </a:r>
+            <a:r>
+              <a:rPr lang="es-ES_tradnl" dirty="0" err="1" smtClean="0"/>
+              <a:t>t</a:t>
+            </a:r>
+            <a:r>
+              <a:rPr lang="es-ES_tradnl" dirty="0" err="1" smtClean="0"/>
+              <a:t>okens</a:t>
+            </a:r>
+            <a:endParaRPr lang="es-ES_tradnl" dirty="0"/>
+          </a:p>
+        </p:txBody>
+      </p:sp>
+      <p:sp>
+        <p:nvSpPr>
+          <p:cNvPr id="3" name="2 Marcador de contenido"/>
+          <p:cNvSpPr>
+            <a:spLocks noGrp="1"/>
+          </p:cNvSpPr>
+          <p:nvPr>
+            <p:ph sz="quarter" idx="1"/>
+          </p:nvPr>
+        </p:nvSpPr>
+        <p:spPr/>
+        <p:txBody>
+          <a:bodyPr/>
+          <a:lstStyle/>
+          <a:p>
+            <a:r>
+              <a:rPr lang="es-ES_tradnl" dirty="0" smtClean="0"/>
+              <a:t>Explicar Filtros</a:t>
+            </a:r>
+          </a:p>
+          <a:p>
+            <a:r>
+              <a:rPr lang="es-ES_tradnl" dirty="0" smtClean="0"/>
+              <a:t>Poner Imagen de </a:t>
+            </a:r>
+            <a:r>
+              <a:rPr lang="es-ES_tradnl" smtClean="0"/>
+              <a:t>la etapa</a:t>
+            </a:r>
+            <a:endParaRPr lang="es-ES_tradnl" dirty="0"/>
+          </a:p>
+        </p:txBody>
+      </p:sp>
+    </p:spTree>
+  </p:cSld>
+  <p:clrMapOvr>
+    <a:masterClrMapping/>
+  </p:clrMapOvr>
+</p:sld>
+</file>
+
+<file path=ppt/slides/slide16.xml><?xml version="1.0" encoding="utf-8"?>
+<p:sld xmlns:a="http://schemas.openxmlformats.org/drawingml/2006/main" xmlns:r="http://schemas.openxmlformats.org/officeDocument/2006/relationships" xmlns:p="http://schemas.openxmlformats.org/presentationml/2006/main">
+  <p:cSld>
+    <p:spTree>
+      <p:nvGrpSpPr>
+        <p:cNvPr id="1" name=""/>
+        <p:cNvGrpSpPr/>
+        <p:nvPr/>
+      </p:nvGrpSpPr>
+      <p:grpSpPr>
+        <a:xfrm>
+          <a:off x="0" y="0"/>
+          <a:ext cx="0" cy="0"/>
+          <a:chOff x="0" y="0"/>
+          <a:chExt cx="0" cy="0"/>
+        </a:xfrm>
+      </p:grpSpPr>
+      <p:graphicFrame>
+        <p:nvGraphicFramePr>
+          <p:cNvPr id="28680" name="Object 8"/>
+          <p:cNvGraphicFramePr>
+            <a:graphicFrameLocks noChangeAspect="1"/>
+          </p:cNvGraphicFramePr>
+          <p:nvPr/>
+        </p:nvGraphicFramePr>
+        <p:xfrm>
+          <a:off x="518983" y="1124464"/>
+          <a:ext cx="8210552" cy="5115697"/>
+        </p:xfrm>
+        <a:graphic>
+          <a:graphicData uri="http://schemas.openxmlformats.org/presentationml/2006/ole">
+            <p:oleObj spid="_x0000_s47106" name="Visio" r:id="rId3" imgW="5536846" imgH="3445815" progId="Visio.Drawing.11">
+              <p:embed/>
+            </p:oleObj>
+          </a:graphicData>
+        </a:graphic>
+      </p:graphicFrame>
+      <p:sp>
+        <p:nvSpPr>
+          <p:cNvPr id="2" name="1 Título"/>
+          <p:cNvSpPr>
+            <a:spLocks noGrp="1"/>
+          </p:cNvSpPr>
+          <p:nvPr>
+            <p:ph type="title"/>
+          </p:nvPr>
+        </p:nvSpPr>
+        <p:spPr/>
+        <p:txBody>
+          <a:bodyPr/>
+          <a:lstStyle/>
+          <a:p>
+            <a:r>
+              <a:rPr lang="es-ES" dirty="0" smtClean="0"/>
+              <a:t>Proceso</a:t>
+            </a:r>
+            <a:endParaRPr lang="es-ES" dirty="0"/>
+          </a:p>
+        </p:txBody>
+      </p:sp>
+      <p:sp>
+        <p:nvSpPr>
+          <p:cNvPr id="9" name="8 Rectángulo redondeado"/>
+          <p:cNvSpPr/>
+          <p:nvPr/>
+        </p:nvSpPr>
+        <p:spPr>
+          <a:xfrm>
+            <a:off x="2492297" y="4467661"/>
+            <a:ext cx="4628485" cy="1735429"/>
+          </a:xfrm>
+          <a:prstGeom prst="roundRect">
+            <a:avLst/>
+          </a:prstGeom>
+          <a:solidFill>
+            <a:srgbClr val="00CCFF">
+              <a:alpha val="12157"/>
+            </a:srgbClr>
+          </a:solidFill>
+        </p:spPr>
+        <p:style>
+          <a:lnRef idx="1">
+            <a:schemeClr val="accent3"/>
+          </a:lnRef>
+          <a:fillRef idx="3">
+            <a:schemeClr val="accent3"/>
+          </a:fillRef>
+          <a:effectRef idx="2">
+            <a:schemeClr val="accent3"/>
+          </a:effectRef>
+          <a:fontRef idx="minor">
+            <a:schemeClr val="lt1"/>
+          </a:fontRef>
+        </p:style>
+        <p:txBody>
+          <a:bodyPr rtlCol="0" anchor="ctr"/>
+          <a:lstStyle/>
+          <a:p>
+            <a:pPr algn="ctr"/>
+            <a:endParaRPr lang="es-ES_tradnl" dirty="0"/>
+          </a:p>
+        </p:txBody>
+      </p:sp>
+      <p:sp>
+        <p:nvSpPr>
+          <p:cNvPr id="28676" name="Rectangle 4"/>
+          <p:cNvSpPr>
+            <a:spLocks noChangeArrowheads="1"/>
+          </p:cNvSpPr>
+          <p:nvPr/>
+        </p:nvSpPr>
+        <p:spPr bwMode="auto">
+          <a:xfrm>
+            <a:off x="0" y="0"/>
+            <a:ext cx="9144000" cy="0"/>
+          </a:xfrm>
+          <a:prstGeom prst="rect">
+            <a:avLst/>
+          </a:prstGeom>
+          <a:noFill/>
+          <a:ln w="9525">
+            <a:noFill/>
+            <a:miter lim="800000"/>
+            <a:headEnd/>
+            <a:tailEnd/>
+          </a:ln>
+          <a:effectLst/>
+        </p:spPr>
+        <p:txBody>
+          <a:bodyPr vert="horz" wrap="none" lIns="91440" tIns="45720" rIns="91440" bIns="45720" numCol="1" anchor="ctr" anchorCtr="0" compatLnSpc="1">
+            <a:prstTxWarp prst="textNoShape">
+              <a:avLst/>
+            </a:prstTxWarp>
+            <a:spAutoFit/>
+          </a:bodyPr>
+          <a:lstStyle/>
+          <a:p>
+            <a:endParaRPr lang="es-ES_tradnl"/>
+          </a:p>
+        </p:txBody>
+      </p:sp>
+      <p:sp>
+        <p:nvSpPr>
+          <p:cNvPr id="28681" name="Rectangle 9"/>
+          <p:cNvSpPr>
+            <a:spLocks noChangeArrowheads="1"/>
+          </p:cNvSpPr>
+          <p:nvPr/>
+        </p:nvSpPr>
+        <p:spPr bwMode="auto">
+          <a:xfrm>
+            <a:off x="0" y="0"/>
+            <a:ext cx="9144000" cy="0"/>
+          </a:xfrm>
+          <a:prstGeom prst="rect">
+            <a:avLst/>
+          </a:prstGeom>
+          <a:noFill/>
+          <a:ln w="9525">
+            <a:noFill/>
+            <a:miter lim="800000"/>
+            <a:headEnd/>
+            <a:tailEnd/>
+          </a:ln>
+          <a:effectLst/>
+        </p:spPr>
+        <p:txBody>
+          <a:bodyPr vert="horz" wrap="none" lIns="91440" tIns="45720" rIns="91440" bIns="45720" numCol="1" anchor="ctr" anchorCtr="0" compatLnSpc="1">
+            <a:prstTxWarp prst="textNoShape">
+              <a:avLst/>
+            </a:prstTxWarp>
+            <a:spAutoFit/>
+          </a:bodyPr>
+          <a:lstStyle/>
+          <a:p>
+            <a:endParaRPr lang="es-ES_tradnl"/>
+          </a:p>
+        </p:txBody>
+      </p:sp>
+    </p:spTree>
+  </p:cSld>
+  <p:clrMapOvr>
+    <a:masterClrMapping/>
+  </p:clrMapOvr>
+  <p:timing>
+    <p:tnLst>
+      <p:par>
+        <p:cTn id="1" dur="indefinite" restart="never" nodeType="tmRoot">
+          <p:childTnLst>
+            <p:seq concurrent="1" nextAc="seek">
+              <p:cTn id="2" dur="indefinite" nodeType="mainSeq">
+                <p:childTnLst>
+                  <p:par>
+                    <p:cTn id="3" fill="hold">
+                      <p:stCondLst>
+                        <p:cond delay="indefinite"/>
+                      </p:stCondLst>
+                      <p:childTnLst>
+                        <p:par>
+                          <p:cTn id="4" fill="hold">
+                            <p:stCondLst>
+                              <p:cond delay="0"/>
+                            </p:stCondLst>
+                            <p:childTnLst>
+                              <p:par>
+                                <p:cTn id="5" presetID="4" presetClass="entr" presetSubtype="16" fill="hold" grpId="0" nodeType="clickEffect">
+                                  <p:stCondLst>
+                                    <p:cond delay="0"/>
+                                  </p:stCondLst>
+                                  <p:childTnLst>
+                                    <p:set>
+                                      <p:cBhvr>
+                                        <p:cTn id="6" dur="1" fill="hold">
+                                          <p:stCondLst>
+                                            <p:cond delay="0"/>
+                                          </p:stCondLst>
+                                        </p:cTn>
+                                        <p:tgtEl>
+                                          <p:spTgt spid="9"/>
+                                        </p:tgtEl>
+                                        <p:attrNameLst>
+                                          <p:attrName>style.visibility</p:attrName>
+                                        </p:attrNameLst>
+                                      </p:cBhvr>
+                                      <p:to>
+                                        <p:strVal val="visible"/>
+                                      </p:to>
+                                    </p:set>
+                                    <p:animEffect transition="in" filter="box(in)">
+                                      <p:cBhvr>
+                                        <p:cTn id="7" dur="500"/>
+                                        <p:tgtEl>
+                                          <p:spTgt spid="9"/>
+                                        </p:tgtEl>
+                                      </p:cBhvr>
+                                    </p:animEffect>
+                                  </p:childTnLst>
+                                </p:cTn>
+                              </p:par>
+                            </p:childTnLst>
+                          </p:cTn>
+                        </p:par>
+                      </p:childTnLst>
+                    </p:cTn>
+                  </p:par>
+                  <p:par>
+                    <p:cTn id="8" fill="hold">
+                      <p:stCondLst>
+                        <p:cond delay="indefinite"/>
+                      </p:stCondLst>
+                      <p:childTnLst>
+                        <p:par>
+                          <p:cTn id="9" fill="hold">
+                            <p:stCondLst>
+                              <p:cond delay="0"/>
+                            </p:stCondLst>
+                            <p:childTnLst>
+                              <p:par>
+                                <p:cTn id="10" presetID="8" presetClass="exit" presetSubtype="16" fill="hold" grpId="1" nodeType="clickEffect">
+                                  <p:stCondLst>
+                                    <p:cond delay="0"/>
+                                  </p:stCondLst>
+                                  <p:childTnLst>
+                                    <p:animEffect transition="out" filter="diamond(in)">
+                                      <p:cBhvr>
+                                        <p:cTn id="11" dur="2000"/>
+                                        <p:tgtEl>
+                                          <p:spTgt spid="9"/>
+                                        </p:tgtEl>
+                                      </p:cBhvr>
+                                    </p:animEffect>
+                                    <p:set>
+                                      <p:cBhvr>
+                                        <p:cTn id="12" dur="1" fill="hold">
+                                          <p:stCondLst>
+                                            <p:cond delay="1999"/>
+                                          </p:stCondLst>
+                                        </p:cTn>
+                                        <p:tgtEl>
+                                          <p:spTgt spid="9"/>
+                                        </p:tgtEl>
+                                        <p:attrNameLst>
+                                          <p:attrName>style.visibility</p:attrName>
+                                        </p:attrNameLst>
+                                      </p:cBhvr>
+                                      <p:to>
+                                        <p:strVal val="hidden"/>
+                                      </p:to>
+                                    </p:set>
+                                  </p:childTnLst>
+                                </p:cTn>
+                              </p:par>
+                            </p:childTnLst>
+                          </p:cTn>
+                        </p:par>
+                      </p:childTnLst>
+                    </p:cTn>
+                  </p:par>
+                </p:childTnLst>
+              </p:cTn>
+              <p:prevCondLst>
+                <p:cond evt="onPrev" delay="0">
+                  <p:tgtEl>
+                    <p:sldTgt/>
+                  </p:tgtEl>
+                </p:cond>
+              </p:prevCondLst>
+              <p:nextCondLst>
+                <p:cond evt="onNext" delay="0">
+                  <p:tgtEl>
+                    <p:sldTgt/>
+                  </p:tgtEl>
+                </p:cond>
+              </p:nextCondLst>
+            </p:seq>
+          </p:childTnLst>
+        </p:cTn>
+      </p:par>
+    </p:tnLst>
+    <p:bldLst>
+      <p:bldP spid="9" grpId="0" animBg="1"/>
+      <p:bldP spid="9" grpId="1" animBg="1"/>
+    </p:bldLst>
+  </p:timing>
+</p:sld>
+</file>
+
+<file path=ppt/slides/slide17.xml><?xml version="1.0" encoding="utf-8"?>
+<p:sld xmlns:a="http://schemas.openxmlformats.org/drawingml/2006/main" xmlns:r="http://schemas.openxmlformats.org/officeDocument/2006/relationships" xmlns:p="http://schemas.openxmlformats.org/presentationml/2006/main">
+  <p:cSld>
+    <p:spTree>
+      <p:nvGrpSpPr>
+        <p:cNvPr id="1" name=""/>
+        <p:cNvGrpSpPr/>
+        <p:nvPr/>
+      </p:nvGrpSpPr>
+      <p:grpSpPr>
+        <a:xfrm>
+          <a:off x="0" y="0"/>
+          <a:ext cx="0" cy="0"/>
+          <a:chOff x="0" y="0"/>
+          <a:chExt cx="0" cy="0"/>
+        </a:xfrm>
+      </p:grpSpPr>
+      <p:sp>
+        <p:nvSpPr>
+          <p:cNvPr id="2" name="1 Título"/>
+          <p:cNvSpPr>
+            <a:spLocks noGrp="1"/>
+          </p:cNvSpPr>
+          <p:nvPr>
+            <p:ph type="title"/>
+          </p:nvPr>
+        </p:nvSpPr>
+        <p:spPr/>
+        <p:txBody>
+          <a:bodyPr/>
+          <a:lstStyle/>
+          <a:p>
+            <a:r>
+              <a:rPr lang="es-ES_tradnl" dirty="0" smtClean="0"/>
+              <a:t>Análisis de </a:t>
+            </a:r>
+            <a:r>
+              <a:rPr lang="es-ES_tradnl" dirty="0" err="1" smtClean="0"/>
+              <a:t>tokens</a:t>
+            </a:r>
+            <a:endParaRPr lang="es-ES_tradnl" dirty="0"/>
+          </a:p>
+        </p:txBody>
+      </p:sp>
+      <p:sp>
+        <p:nvSpPr>
+          <p:cNvPr id="3" name="2 Marcador de contenido"/>
+          <p:cNvSpPr>
+            <a:spLocks noGrp="1"/>
+          </p:cNvSpPr>
+          <p:nvPr>
+            <p:ph sz="quarter" idx="1"/>
+          </p:nvPr>
+        </p:nvSpPr>
+        <p:spPr/>
+        <p:txBody>
+          <a:bodyPr/>
+          <a:lstStyle/>
+          <a:p>
+            <a:r>
+              <a:rPr lang="es-ES_tradnl" dirty="0" smtClean="0"/>
+              <a:t>Explicar algo de K</a:t>
+            </a:r>
+          </a:p>
+          <a:p>
+            <a:r>
+              <a:rPr lang="es-ES_tradnl" dirty="0" err="1" smtClean="0"/>
+              <a:t>Ontologia</a:t>
+            </a:r>
+            <a:endParaRPr lang="es-ES_tradnl" dirty="0"/>
+          </a:p>
+        </p:txBody>
+      </p:sp>
+    </p:spTree>
+  </p:cSld>
+  <p:clrMapOvr>
+    <a:masterClrMapping/>
+  </p:clrMapOvr>
+</p:sld>
+</file>
+
+<file path=ppt/slides/slide18.xml><?xml version="1.0" encoding="utf-8"?>
+<p:sld xmlns:a="http://schemas.openxmlformats.org/drawingml/2006/main" xmlns:r="http://schemas.openxmlformats.org/officeDocument/2006/relationships" xmlns:p="http://schemas.openxmlformats.org/presentationml/2006/main">
+  <p:cSld>
+    <p:spTree>
+      <p:nvGrpSpPr>
+        <p:cNvPr id="1" name=""/>
+        <p:cNvGrpSpPr/>
+        <p:nvPr/>
+      </p:nvGrpSpPr>
+      <p:grpSpPr>
+        <a:xfrm>
+          <a:off x="0" y="0"/>
+          <a:ext cx="0" cy="0"/>
+          <a:chOff x="0" y="0"/>
+          <a:chExt cx="0" cy="0"/>
+        </a:xfrm>
+      </p:grpSpPr>
+      <p:sp>
+        <p:nvSpPr>
+          <p:cNvPr id="2" name="1 Título"/>
+          <p:cNvSpPr>
+            <a:spLocks noGrp="1"/>
+          </p:cNvSpPr>
+          <p:nvPr>
+            <p:ph type="title"/>
+          </p:nvPr>
+        </p:nvSpPr>
+        <p:spPr/>
+        <p:txBody>
+          <a:bodyPr/>
+          <a:lstStyle/>
+          <a:p>
+            <a:r>
               <a:rPr lang="es-ES" dirty="0" smtClean="0"/>
               <a:t>QA Miner</a:t>
             </a:r>
@@ -5342,11 +6115,7 @@
           <a:p>
             <a:r>
               <a:rPr lang="es-ES" dirty="0" smtClean="0"/>
-              <a:t>Plugin de </a:t>
-            </a:r>
-            <a:r>
-              <a:rPr lang="es-ES" dirty="0" smtClean="0"/>
-              <a:t>Eclipse</a:t>
+              <a:t>Plugin de Eclipse</a:t>
             </a:r>
           </a:p>
           <a:p>
@@ -5378,15 +6147,7 @@
             <a:pPr lvl="1"/>
             <a:r>
               <a:rPr lang="es-ES" dirty="0" smtClean="0"/>
-              <a:t>Peso de </a:t>
-            </a:r>
-            <a:r>
-              <a:rPr lang="es-ES" dirty="0" smtClean="0"/>
-              <a:t>las secciones de los casos de </a:t>
-            </a:r>
-            <a:r>
-              <a:rPr lang="es-ES" dirty="0" smtClean="0"/>
-              <a:t>uso</a:t>
+              <a:t>Peso de las secciones de los casos de uso</a:t>
             </a:r>
           </a:p>
           <a:p>
@@ -5395,7 +6156,6 @@
               <a:rPr lang="es-ES" dirty="0" smtClean="0"/>
               <a:t>Lista de Stop Words</a:t>
             </a:r>
-            <a:endParaRPr lang="es-ES" dirty="0" smtClean="0"/>
           </a:p>
           <a:p>
             <a:pPr lvl="1"/>
@@ -5403,7 +6163,6 @@
               <a:rPr lang="es-ES" dirty="0" smtClean="0"/>
               <a:t>Importancia de la entrada (aspectos tempranos vs. casos de uso)</a:t>
             </a:r>
-            <a:endParaRPr lang="es-ES" dirty="0" smtClean="0"/>
           </a:p>
           <a:p>
             <a:r>
@@ -5437,7 +6196,7 @@
 </p:sld>
 </file>
 
-<file path=ppt/slides/slide14.xml><?xml version="1.0" encoding="utf-8"?>
+<file path=ppt/slides/slide19.xml><?xml version="1.0" encoding="utf-8"?>
 <p:sld xmlns:a="http://schemas.openxmlformats.org/drawingml/2006/main" xmlns:r="http://schemas.openxmlformats.org/officeDocument/2006/relationships" xmlns:p="http://schemas.openxmlformats.org/presentationml/2006/main">
   <p:cSld>
     <p:spTree>
@@ -5736,7 +6495,168 @@
 </p:sld>
 </file>
 
-<file path=ppt/slides/slide15.xml><?xml version="1.0" encoding="utf-8"?>
+<file path=ppt/slides/slide2.xml><?xml version="1.0" encoding="utf-8"?>
+<p:sld xmlns:a="http://schemas.openxmlformats.org/drawingml/2006/main" xmlns:r="http://schemas.openxmlformats.org/officeDocument/2006/relationships" xmlns:p="http://schemas.openxmlformats.org/presentationml/2006/main">
+  <p:cSld>
+    <p:spTree>
+      <p:nvGrpSpPr>
+        <p:cNvPr id="1" name=""/>
+        <p:cNvGrpSpPr/>
+        <p:nvPr/>
+      </p:nvGrpSpPr>
+      <p:grpSpPr>
+        <a:xfrm>
+          <a:off x="0" y="0"/>
+          <a:ext cx="0" cy="0"/>
+          <a:chOff x="0" y="0"/>
+          <a:chExt cx="0" cy="0"/>
+        </a:xfrm>
+      </p:grpSpPr>
+      <p:sp>
+        <p:nvSpPr>
+          <p:cNvPr id="3" name="2 Marcador de contenido"/>
+          <p:cNvSpPr>
+            <a:spLocks noGrp="1"/>
+          </p:cNvSpPr>
+          <p:nvPr>
+            <p:ph sz="quarter" idx="1"/>
+          </p:nvPr>
+        </p:nvSpPr>
+        <p:spPr>
+          <a:xfrm>
+            <a:off x="457200" y="1268760"/>
+            <a:ext cx="8507288" cy="5472608"/>
+          </a:xfrm>
+        </p:spPr>
+        <p:txBody>
+          <a:bodyPr>
+            <a:normAutofit/>
+          </a:bodyPr>
+          <a:lstStyle/>
+          <a:p>
+            <a:r>
+              <a:rPr lang="es-ES" dirty="0" smtClean="0"/>
+              <a:t>Introducción</a:t>
+            </a:r>
+          </a:p>
+          <a:p>
+            <a:r>
+              <a:rPr lang="es-ES" dirty="0" smtClean="0"/>
+              <a:t>Atributos de calidad y aspectos tempranos</a:t>
+            </a:r>
+          </a:p>
+          <a:p>
+            <a:r>
+              <a:rPr lang="es-ES" dirty="0" smtClean="0"/>
+              <a:t>Enfoque propuesto</a:t>
+            </a:r>
+          </a:p>
+          <a:p>
+            <a:r>
+              <a:rPr lang="es-ES" dirty="0" smtClean="0"/>
+              <a:t>Evaluación</a:t>
+            </a:r>
+          </a:p>
+          <a:p>
+            <a:r>
+              <a:rPr lang="es-ES" dirty="0" smtClean="0"/>
+              <a:t>Conclusiones</a:t>
+            </a:r>
+          </a:p>
+          <a:p>
+            <a:r>
+              <a:rPr lang="es-ES" dirty="0" smtClean="0"/>
+              <a:t>Preguntas</a:t>
+            </a:r>
+          </a:p>
+          <a:p>
+            <a:pPr lvl="1">
+              <a:buNone/>
+            </a:pPr>
+            <a:endParaRPr lang="es-ES" dirty="0" smtClean="0"/>
+          </a:p>
+          <a:p>
+            <a:pPr lvl="1">
+              <a:buNone/>
+            </a:pPr>
+            <a:endParaRPr lang="es-ES" dirty="0" smtClean="0"/>
+          </a:p>
+          <a:p>
+            <a:endParaRPr lang="es-ES" dirty="0" smtClean="0"/>
+          </a:p>
+          <a:p>
+            <a:endParaRPr lang="es-ES" dirty="0"/>
+          </a:p>
+        </p:txBody>
+      </p:sp>
+      <p:sp>
+        <p:nvSpPr>
+          <p:cNvPr id="2" name="1 Título"/>
+          <p:cNvSpPr>
+            <a:spLocks noGrp="1"/>
+          </p:cNvSpPr>
+          <p:nvPr>
+            <p:ph type="title"/>
+          </p:nvPr>
+        </p:nvSpPr>
+        <p:spPr/>
+        <p:txBody>
+          <a:bodyPr/>
+          <a:lstStyle/>
+          <a:p>
+            <a:r>
+              <a:rPr lang="es-ES" dirty="0" smtClean="0"/>
+              <a:t>Agenda</a:t>
+            </a:r>
+            <a:endParaRPr lang="es-ES" dirty="0"/>
+          </a:p>
+        </p:txBody>
+      </p:sp>
+      <p:pic>
+        <p:nvPicPr>
+          <p:cNvPr id="9217" name="Picture 1" descr="C:\Documents and Settings\Administrador\Configuración local\Archivos temporales de Internet\Content.IE5\5WQ1CSKL\MP900405396[1].jpg"/>
+          <p:cNvPicPr>
+            <a:picLocks noChangeAspect="1" noChangeArrowheads="1"/>
+          </p:cNvPicPr>
+          <p:nvPr/>
+        </p:nvPicPr>
+        <p:blipFill>
+          <a:blip r:embed="rId2" cstate="print"/>
+          <a:srcRect/>
+          <a:stretch>
+            <a:fillRect/>
+          </a:stretch>
+        </p:blipFill>
+        <p:spPr bwMode="auto">
+          <a:xfrm>
+            <a:off x="5436096" y="3573016"/>
+            <a:ext cx="3130545" cy="2236104"/>
+          </a:xfrm>
+          <a:prstGeom prst="rect">
+            <a:avLst/>
+          </a:prstGeom>
+          <a:noFill/>
+        </p:spPr>
+      </p:pic>
+    </p:spTree>
+  </p:cSld>
+  <p:clrMapOvr>
+    <a:masterClrMapping/>
+  </p:clrMapOvr>
+  <p:transition>
+    <p:cut/>
+  </p:transition>
+  <p:timing>
+    <p:tnLst>
+      <p:par>
+        <p:cTn id="1" dur="indefinite" restart="never" nodeType="tmRoot"/>
+      </p:par>
+    </p:tnLst>
+  </p:timing>
+</p:sld>
+</file>
+
+<file path=ppt/slides/slide20.xml><?xml version="1.0" encoding="utf-8"?>
 <p:sld xmlns:a="http://schemas.openxmlformats.org/drawingml/2006/main" xmlns:r="http://schemas.openxmlformats.org/officeDocument/2006/relationships" xmlns:p="http://schemas.openxmlformats.org/presentationml/2006/main">
   <p:cSld>
     <p:spTree>
@@ -6136,7 +7056,7 @@
 </p:sld>
 </file>
 
-<file path=ppt/slides/slide16.xml><?xml version="1.0" encoding="utf-8"?>
+<file path=ppt/slides/slide21.xml><?xml version="1.0" encoding="utf-8"?>
 <p:sld xmlns:a="http://schemas.openxmlformats.org/drawingml/2006/main" xmlns:r="http://schemas.openxmlformats.org/officeDocument/2006/relationships" xmlns:p="http://schemas.openxmlformats.org/presentationml/2006/main">
   <p:cSld>
     <p:spTree>
@@ -6238,7 +7158,7 @@
 </p:sld>
 </file>
 
-<file path=ppt/slides/slide17.xml><?xml version="1.0" encoding="utf-8"?>
+<file path=ppt/slides/slide22.xml><?xml version="1.0" encoding="utf-8"?>
 <p:sld xmlns:a="http://schemas.openxmlformats.org/drawingml/2006/main" xmlns:r="http://schemas.openxmlformats.org/officeDocument/2006/relationships" xmlns:p="http://schemas.openxmlformats.org/presentationml/2006/main">
   <p:cSld>
     <p:spTree>
@@ -7340,7 +8260,7 @@
 </p:sld>
 </file>
 
-<file path=ppt/slides/slide18.xml><?xml version="1.0" encoding="utf-8"?>
+<file path=ppt/slides/slide23.xml><?xml version="1.0" encoding="utf-8"?>
 <p:sld xmlns:a="http://schemas.openxmlformats.org/drawingml/2006/main" xmlns:r="http://schemas.openxmlformats.org/officeDocument/2006/relationships" xmlns:p="http://schemas.openxmlformats.org/presentationml/2006/main">
   <p:cSld>
     <p:spTree>
@@ -7441,7 +8361,7 @@
 </p:sld>
 </file>
 
-<file path=ppt/slides/slide19.xml><?xml version="1.0" encoding="utf-8"?>
+<file path=ppt/slides/slide24.xml><?xml version="1.0" encoding="utf-8"?>
 <p:sld xmlns:a="http://schemas.openxmlformats.org/drawingml/2006/main" xmlns:r="http://schemas.openxmlformats.org/officeDocument/2006/relationships" xmlns:p="http://schemas.openxmlformats.org/presentationml/2006/main">
   <p:cSld>
     <p:spTree>
@@ -8599,7 +9519,7 @@
 </p:sld>
 </file>
 
-<file path=ppt/slides/slide2.xml><?xml version="1.0" encoding="utf-8"?>
+<file path=ppt/slides/slide25.xml><?xml version="1.0" encoding="utf-8"?>
 <p:sld xmlns:a="http://schemas.openxmlformats.org/drawingml/2006/main" xmlns:r="http://schemas.openxmlformats.org/officeDocument/2006/relationships" xmlns:p="http://schemas.openxmlformats.org/presentationml/2006/main">
   <p:cSld>
     <p:spTree>
@@ -8618,167 +9538,6 @@
       </p:grpSpPr>
       <p:sp>
         <p:nvSpPr>
-          <p:cNvPr id="3" name="2 Marcador de contenido"/>
-          <p:cNvSpPr>
-            <a:spLocks noGrp="1"/>
-          </p:cNvSpPr>
-          <p:nvPr>
-            <p:ph sz="quarter" idx="1"/>
-          </p:nvPr>
-        </p:nvSpPr>
-        <p:spPr>
-          <a:xfrm>
-            <a:off x="457200" y="1268760"/>
-            <a:ext cx="8507288" cy="5472608"/>
-          </a:xfrm>
-        </p:spPr>
-        <p:txBody>
-          <a:bodyPr>
-            <a:normAutofit/>
-          </a:bodyPr>
-          <a:lstStyle/>
-          <a:p>
-            <a:r>
-              <a:rPr lang="es-ES" dirty="0" smtClean="0"/>
-              <a:t>Introducción</a:t>
-            </a:r>
-          </a:p>
-          <a:p>
-            <a:r>
-              <a:rPr lang="es-ES" dirty="0" smtClean="0"/>
-              <a:t>Atributos de calidad y aspectos tempranos</a:t>
-            </a:r>
-          </a:p>
-          <a:p>
-            <a:r>
-              <a:rPr lang="es-ES" dirty="0" smtClean="0"/>
-              <a:t>Enfoque propuesto</a:t>
-            </a:r>
-          </a:p>
-          <a:p>
-            <a:r>
-              <a:rPr lang="es-ES" dirty="0" smtClean="0"/>
-              <a:t>Evaluación</a:t>
-            </a:r>
-          </a:p>
-          <a:p>
-            <a:r>
-              <a:rPr lang="es-ES" dirty="0" smtClean="0"/>
-              <a:t>Conclusiones</a:t>
-            </a:r>
-          </a:p>
-          <a:p>
-            <a:r>
-              <a:rPr lang="es-ES" dirty="0" smtClean="0"/>
-              <a:t>Preguntas</a:t>
-            </a:r>
-          </a:p>
-          <a:p>
-            <a:pPr lvl="1">
-              <a:buNone/>
-            </a:pPr>
-            <a:endParaRPr lang="es-ES" dirty="0" smtClean="0"/>
-          </a:p>
-          <a:p>
-            <a:pPr lvl="1">
-              <a:buNone/>
-            </a:pPr>
-            <a:endParaRPr lang="es-ES" dirty="0" smtClean="0"/>
-          </a:p>
-          <a:p>
-            <a:endParaRPr lang="es-ES" dirty="0" smtClean="0"/>
-          </a:p>
-          <a:p>
-            <a:endParaRPr lang="es-ES" dirty="0"/>
-          </a:p>
-        </p:txBody>
-      </p:sp>
-      <p:sp>
-        <p:nvSpPr>
-          <p:cNvPr id="2" name="1 Título"/>
-          <p:cNvSpPr>
-            <a:spLocks noGrp="1"/>
-          </p:cNvSpPr>
-          <p:nvPr>
-            <p:ph type="title"/>
-          </p:nvPr>
-        </p:nvSpPr>
-        <p:spPr/>
-        <p:txBody>
-          <a:bodyPr/>
-          <a:lstStyle/>
-          <a:p>
-            <a:r>
-              <a:rPr lang="es-ES" dirty="0" smtClean="0"/>
-              <a:t>Agenda</a:t>
-            </a:r>
-            <a:endParaRPr lang="es-ES" dirty="0"/>
-          </a:p>
-        </p:txBody>
-      </p:sp>
-      <p:pic>
-        <p:nvPicPr>
-          <p:cNvPr id="9217" name="Picture 1" descr="C:\Documents and Settings\Administrador\Configuración local\Archivos temporales de Internet\Content.IE5\5WQ1CSKL\MP900405396[1].jpg"/>
-          <p:cNvPicPr>
-            <a:picLocks noChangeAspect="1" noChangeArrowheads="1"/>
-          </p:cNvPicPr>
-          <p:nvPr/>
-        </p:nvPicPr>
-        <p:blipFill>
-          <a:blip r:embed="rId2" cstate="print"/>
-          <a:srcRect/>
-          <a:stretch>
-            <a:fillRect/>
-          </a:stretch>
-        </p:blipFill>
-        <p:spPr bwMode="auto">
-          <a:xfrm>
-            <a:off x="5436096" y="3573016"/>
-            <a:ext cx="3130545" cy="2236104"/>
-          </a:xfrm>
-          <a:prstGeom prst="rect">
-            <a:avLst/>
-          </a:prstGeom>
-          <a:noFill/>
-        </p:spPr>
-      </p:pic>
-    </p:spTree>
-  </p:cSld>
-  <p:clrMapOvr>
-    <a:masterClrMapping/>
-  </p:clrMapOvr>
-  <p:transition>
-    <p:cut/>
-  </p:transition>
-  <p:timing>
-    <p:tnLst>
-      <p:par>
-        <p:cTn id="1" dur="indefinite" restart="never" nodeType="tmRoot"/>
-      </p:par>
-    </p:tnLst>
-  </p:timing>
-</p:sld>
-</file>
-
-<file path=ppt/slides/slide20.xml><?xml version="1.0" encoding="utf-8"?>
-<p:sld xmlns:a="http://schemas.openxmlformats.org/drawingml/2006/main" xmlns:r="http://schemas.openxmlformats.org/officeDocument/2006/relationships" xmlns:p="http://schemas.openxmlformats.org/presentationml/2006/main">
-  <p:cSld>
-    <p:spTree>
-      <p:nvGrpSpPr>
-        <p:cNvPr id="1" name=""/>
-        <p:cNvGrpSpPr/>
-        <p:nvPr/>
-      </p:nvGrpSpPr>
-      <p:grpSpPr>
-        <a:xfrm>
-          <a:off x="0" y="0"/>
-          <a:ext cx="0" cy="0"/>
-          <a:chOff x="0" y="0"/>
-          <a:chExt cx="0" cy="0"/>
-        </a:xfrm>
-      </p:grpSpPr>
-      <p:sp>
-        <p:nvSpPr>
           <p:cNvPr id="2" name="1 Título"/>
           <p:cNvSpPr>
             <a:spLocks noGrp="1"/>
@@ -8889,7 +9648,7 @@
 </p:sld>
 </file>
 
-<file path=ppt/slides/slide21.xml><?xml version="1.0" encoding="utf-8"?>
+<file path=ppt/slides/slide26.xml><?xml version="1.0" encoding="utf-8"?>
 <p:sld xmlns:a="http://schemas.openxmlformats.org/drawingml/2006/main" xmlns:r="http://schemas.openxmlformats.org/officeDocument/2006/relationships" xmlns:p="http://schemas.openxmlformats.org/presentationml/2006/main">
   <p:cSld>
     <p:spTree>
@@ -9166,7 +9925,7 @@
 </p:sld>
 </file>
 
-<file path=ppt/slides/slide22.xml><?xml version="1.0" encoding="utf-8"?>
+<file path=ppt/slides/slide27.xml><?xml version="1.0" encoding="utf-8"?>
 <p:sld xmlns:a="http://schemas.openxmlformats.org/drawingml/2006/main" xmlns:r="http://schemas.openxmlformats.org/officeDocument/2006/relationships" xmlns:p="http://schemas.openxmlformats.org/presentationml/2006/main">
   <p:cSld>
     <p:spTree>
@@ -9324,7 +10083,7 @@
 </p:sld>
 </file>
 
-<file path=ppt/slides/slide23.xml><?xml version="1.0" encoding="utf-8"?>
+<file path=ppt/slides/slide28.xml><?xml version="1.0" encoding="utf-8"?>
 <p:sld xmlns:a="http://schemas.openxmlformats.org/drawingml/2006/main" xmlns:r="http://schemas.openxmlformats.org/officeDocument/2006/relationships" xmlns:p="http://schemas.openxmlformats.org/presentationml/2006/main">
   <p:cSld>
     <p:spTree>
@@ -9452,7 +10211,7 @@
 </p:sld>
 </file>
 
-<file path=ppt/slides/slide24.xml><?xml version="1.0" encoding="utf-8"?>
+<file path=ppt/slides/slide29.xml><?xml version="1.0" encoding="utf-8"?>
 <p:sld xmlns:a="http://schemas.openxmlformats.org/drawingml/2006/main" xmlns:r="http://schemas.openxmlformats.org/officeDocument/2006/relationships" xmlns:p="http://schemas.openxmlformats.org/presentationml/2006/main">
   <p:cSld>
     <p:spTree>
@@ -9618,304 +10377,6 @@
           <a:noFill/>
         </p:spPr>
       </p:pic>
-    </p:spTree>
-  </p:cSld>
-  <p:clrMapOvr>
-    <a:masterClrMapping/>
-  </p:clrMapOvr>
-  <p:timing>
-    <p:tnLst>
-      <p:par>
-        <p:cTn id="1" dur="indefinite" restart="never" nodeType="tmRoot"/>
-      </p:par>
-    </p:tnLst>
-  </p:timing>
-</p:sld>
-</file>
-
-<file path=ppt/slides/slide25.xml><?xml version="1.0" encoding="utf-8"?>
-<p:sld xmlns:a="http://schemas.openxmlformats.org/drawingml/2006/main" xmlns:r="http://schemas.openxmlformats.org/officeDocument/2006/relationships" xmlns:p="http://schemas.openxmlformats.org/presentationml/2006/main">
-  <p:cSld>
-    <p:spTree>
-      <p:nvGrpSpPr>
-        <p:cNvPr id="1" name=""/>
-        <p:cNvGrpSpPr/>
-        <p:nvPr/>
-      </p:nvGrpSpPr>
-      <p:grpSpPr>
-        <a:xfrm>
-          <a:off x="0" y="0"/>
-          <a:ext cx="0" cy="0"/>
-          <a:chOff x="0" y="0"/>
-          <a:chExt cx="0" cy="0"/>
-        </a:xfrm>
-      </p:grpSpPr>
-      <p:sp>
-        <p:nvSpPr>
-          <p:cNvPr id="2" name="1 Título"/>
-          <p:cNvSpPr>
-            <a:spLocks noGrp="1"/>
-          </p:cNvSpPr>
-          <p:nvPr>
-            <p:ph type="title"/>
-          </p:nvPr>
-        </p:nvSpPr>
-        <p:spPr/>
-        <p:txBody>
-          <a:bodyPr/>
-          <a:lstStyle/>
-          <a:p>
-            <a:pPr algn="ctr"/>
-            <a:r>
-              <a:rPr lang="es-ES" dirty="0" smtClean="0"/>
-              <a:t>Preguntas</a:t>
-            </a:r>
-            <a:endParaRPr lang="es-ES" dirty="0"/>
-          </a:p>
-        </p:txBody>
-      </p:sp>
-      <p:pic>
-        <p:nvPicPr>
-          <p:cNvPr id="14" name="13 Marcador de contenido" descr="preguntas (1).jpg"/>
-          <p:cNvPicPr>
-            <a:picLocks noGrp="1" noChangeAspect="1"/>
-          </p:cNvPicPr>
-          <p:nvPr>
-            <p:ph sz="quarter" idx="1"/>
-          </p:nvPr>
-        </p:nvPicPr>
-        <p:blipFill>
-          <a:blip r:embed="rId2" cstate="print"/>
-          <a:stretch>
-            <a:fillRect/>
-          </a:stretch>
-        </p:blipFill>
-        <p:spPr>
-          <a:xfrm>
-            <a:off x="1079500" y="1782762"/>
-            <a:ext cx="6985000" cy="3810000"/>
-          </a:xfrm>
-        </p:spPr>
-      </p:pic>
-    </p:spTree>
-  </p:cSld>
-  <p:clrMapOvr>
-    <a:masterClrMapping/>
-  </p:clrMapOvr>
-  <p:timing>
-    <p:tnLst>
-      <p:par>
-        <p:cTn id="1" dur="indefinite" restart="never" nodeType="tmRoot"/>
-      </p:par>
-    </p:tnLst>
-  </p:timing>
-</p:sld>
-</file>
-
-<file path=ppt/slides/slide26.xml><?xml version="1.0" encoding="utf-8"?>
-<p:sld xmlns:a="http://schemas.openxmlformats.org/drawingml/2006/main" xmlns:r="http://schemas.openxmlformats.org/officeDocument/2006/relationships" xmlns:p="http://schemas.openxmlformats.org/presentationml/2006/main">
-  <p:cSld>
-    <p:spTree>
-      <p:nvGrpSpPr>
-        <p:cNvPr id="1" name=""/>
-        <p:cNvGrpSpPr/>
-        <p:nvPr/>
-      </p:nvGrpSpPr>
-      <p:grpSpPr>
-        <a:xfrm>
-          <a:off x="0" y="0"/>
-          <a:ext cx="0" cy="0"/>
-          <a:chOff x="0" y="0"/>
-          <a:chExt cx="0" cy="0"/>
-        </a:xfrm>
-      </p:grpSpPr>
-      <p:sp>
-        <p:nvSpPr>
-          <p:cNvPr id="2" name="1 Título"/>
-          <p:cNvSpPr>
-            <a:spLocks noGrp="1"/>
-          </p:cNvSpPr>
-          <p:nvPr>
-            <p:ph type="title"/>
-          </p:nvPr>
-        </p:nvSpPr>
-        <p:spPr/>
-        <p:txBody>
-          <a:bodyPr/>
-          <a:lstStyle/>
-          <a:p>
-            <a:r>
-              <a:rPr lang="es-ES" dirty="0" smtClean="0"/>
-              <a:t>GRACIAS!!!!</a:t>
-            </a:r>
-            <a:endParaRPr lang="es-ES" dirty="0"/>
-          </a:p>
-        </p:txBody>
-      </p:sp>
-    </p:spTree>
-  </p:cSld>
-  <p:clrMapOvr>
-    <a:masterClrMapping/>
-  </p:clrMapOvr>
-  <p:timing>
-    <p:tnLst>
-      <p:par>
-        <p:cTn id="1" dur="indefinite" restart="never" nodeType="tmRoot"/>
-      </p:par>
-    </p:tnLst>
-  </p:timing>
-</p:sld>
-</file>
-
-<file path=ppt/slides/slide27.xml><?xml version="1.0" encoding="utf-8"?>
-<p:sld xmlns:a="http://schemas.openxmlformats.org/drawingml/2006/main" xmlns:r="http://schemas.openxmlformats.org/officeDocument/2006/relationships" xmlns:p="http://schemas.openxmlformats.org/presentationml/2006/main">
-  <p:cSld>
-    <p:spTree>
-      <p:nvGrpSpPr>
-        <p:cNvPr id="1" name=""/>
-        <p:cNvGrpSpPr/>
-        <p:nvPr/>
-      </p:nvGrpSpPr>
-      <p:grpSpPr>
-        <a:xfrm>
-          <a:off x="0" y="0"/>
-          <a:ext cx="0" cy="0"/>
-          <a:chOff x="0" y="0"/>
-          <a:chExt cx="0" cy="0"/>
-        </a:xfrm>
-      </p:grpSpPr>
-      <p:sp>
-        <p:nvSpPr>
-          <p:cNvPr id="2" name="1 Título"/>
-          <p:cNvSpPr>
-            <a:spLocks noGrp="1"/>
-          </p:cNvSpPr>
-          <p:nvPr>
-            <p:ph type="title"/>
-          </p:nvPr>
-        </p:nvSpPr>
-        <p:spPr/>
-        <p:txBody>
-          <a:bodyPr>
-            <a:normAutofit/>
-          </a:bodyPr>
-          <a:lstStyle/>
-          <a:p>
-            <a:r>
-              <a:rPr lang="es-ES" dirty="0" smtClean="0"/>
-              <a:t>Trabajos relacionados</a:t>
-            </a:r>
-            <a:endParaRPr lang="es-ES" dirty="0"/>
-          </a:p>
-        </p:txBody>
-      </p:sp>
-      <p:sp>
-        <p:nvSpPr>
-          <p:cNvPr id="3" name="2 Marcador de contenido"/>
-          <p:cNvSpPr>
-            <a:spLocks noGrp="1"/>
-          </p:cNvSpPr>
-          <p:nvPr>
-            <p:ph sz="quarter" idx="1"/>
-          </p:nvPr>
-        </p:nvSpPr>
-        <p:spPr/>
-        <p:txBody>
-          <a:bodyPr>
-            <a:normAutofit/>
-          </a:bodyPr>
-          <a:lstStyle/>
-          <a:p>
-            <a:r>
-              <a:rPr lang="es-ES" dirty="0" smtClean="0"/>
-              <a:t>Método de </a:t>
-            </a:r>
-            <a:r>
-              <a:rPr lang="es-ES" dirty="0" err="1" smtClean="0"/>
-              <a:t>elicitación</a:t>
-            </a:r>
-            <a:endParaRPr lang="es-ES" dirty="0" smtClean="0"/>
-          </a:p>
-          <a:p>
-            <a:pPr lvl="1"/>
-            <a:r>
-              <a:rPr lang="es-ES" dirty="0" err="1" smtClean="0"/>
-              <a:t>Checklists</a:t>
-            </a:r>
-            <a:endParaRPr lang="es-ES" dirty="0" smtClean="0"/>
-          </a:p>
-          <a:p>
-            <a:pPr lvl="1"/>
-            <a:r>
-              <a:rPr lang="es-ES" dirty="0" err="1" smtClean="0"/>
-              <a:t>Templates</a:t>
-            </a:r>
-            <a:endParaRPr lang="es-ES" dirty="0" smtClean="0"/>
-          </a:p>
-          <a:p>
-            <a:pPr lvl="1"/>
-            <a:r>
-              <a:rPr lang="es-ES" dirty="0" smtClean="0"/>
-              <a:t>Cuestionarios</a:t>
-            </a:r>
-          </a:p>
-          <a:p>
-            <a:r>
-              <a:rPr lang="es-ES" dirty="0" smtClean="0"/>
-              <a:t>Herramientas semiautomáticas</a:t>
-            </a:r>
-          </a:p>
-          <a:p>
-            <a:pPr lvl="1"/>
-            <a:r>
-              <a:rPr lang="es-ES" dirty="0" smtClean="0"/>
-              <a:t>Comúnmente </a:t>
-            </a:r>
-            <a:r>
-              <a:rPr lang="es-ES" dirty="0" smtClean="0"/>
-              <a:t>basadas en técnicas de IR o NLP</a:t>
-            </a:r>
-          </a:p>
-          <a:p>
-            <a:pPr lvl="1"/>
-            <a:endParaRPr lang="es-ES" dirty="0" smtClean="0"/>
-          </a:p>
-          <a:p>
-            <a:r>
-              <a:rPr lang="es-ES" dirty="0" smtClean="0"/>
-              <a:t>Generalmente,  estos enfoques </a:t>
-            </a:r>
-            <a:r>
-              <a:rPr lang="es-ES" dirty="0" smtClean="0"/>
-              <a:t>no utilizan información </a:t>
-            </a:r>
-            <a:r>
-              <a:rPr lang="es-ES_tradnl" dirty="0" smtClean="0"/>
-              <a:t>proveniente </a:t>
-            </a:r>
-            <a:r>
-              <a:rPr lang="es-ES" dirty="0" smtClean="0"/>
-              <a:t>de </a:t>
-            </a:r>
-            <a:r>
-              <a:rPr lang="es-ES" dirty="0" smtClean="0"/>
-              <a:t>los aspectos tempranos.</a:t>
-            </a:r>
-          </a:p>
-          <a:p>
-            <a:pPr lvl="1">
-              <a:buNone/>
-            </a:pPr>
-            <a:endParaRPr lang="es-ES" dirty="0" smtClean="0"/>
-          </a:p>
-          <a:p>
-            <a:pPr lvl="1">
-              <a:buNone/>
-            </a:pPr>
-            <a:endParaRPr lang="es-ES" dirty="0" smtClean="0"/>
-          </a:p>
-        </p:txBody>
-      </p:sp>
     </p:spTree>
   </p:cSld>
   <p:clrMapOvr>
@@ -10219,6 +10680,292 @@
     <p:bldLst>
       <p:bldP spid="5" grpId="0" animBg="1"/>
     </p:bldLst>
+  </p:timing>
+</p:sld>
+</file>
+
+<file path=ppt/slides/slide30.xml><?xml version="1.0" encoding="utf-8"?>
+<p:sld xmlns:a="http://schemas.openxmlformats.org/drawingml/2006/main" xmlns:r="http://schemas.openxmlformats.org/officeDocument/2006/relationships" xmlns:p="http://schemas.openxmlformats.org/presentationml/2006/main">
+  <p:cSld>
+    <p:spTree>
+      <p:nvGrpSpPr>
+        <p:cNvPr id="1" name=""/>
+        <p:cNvGrpSpPr/>
+        <p:nvPr/>
+      </p:nvGrpSpPr>
+      <p:grpSpPr>
+        <a:xfrm>
+          <a:off x="0" y="0"/>
+          <a:ext cx="0" cy="0"/>
+          <a:chOff x="0" y="0"/>
+          <a:chExt cx="0" cy="0"/>
+        </a:xfrm>
+      </p:grpSpPr>
+      <p:sp>
+        <p:nvSpPr>
+          <p:cNvPr id="2" name="1 Título"/>
+          <p:cNvSpPr>
+            <a:spLocks noGrp="1"/>
+          </p:cNvSpPr>
+          <p:nvPr>
+            <p:ph type="title"/>
+          </p:nvPr>
+        </p:nvSpPr>
+        <p:spPr/>
+        <p:txBody>
+          <a:bodyPr/>
+          <a:lstStyle/>
+          <a:p>
+            <a:pPr algn="ctr"/>
+            <a:r>
+              <a:rPr lang="es-ES" dirty="0" smtClean="0"/>
+              <a:t>Preguntas</a:t>
+            </a:r>
+            <a:endParaRPr lang="es-ES" dirty="0"/>
+          </a:p>
+        </p:txBody>
+      </p:sp>
+      <p:pic>
+        <p:nvPicPr>
+          <p:cNvPr id="14" name="13 Marcador de contenido" descr="preguntas (1).jpg"/>
+          <p:cNvPicPr>
+            <a:picLocks noGrp="1" noChangeAspect="1"/>
+          </p:cNvPicPr>
+          <p:nvPr>
+            <p:ph sz="quarter" idx="1"/>
+          </p:nvPr>
+        </p:nvPicPr>
+        <p:blipFill>
+          <a:blip r:embed="rId2" cstate="print"/>
+          <a:stretch>
+            <a:fillRect/>
+          </a:stretch>
+        </p:blipFill>
+        <p:spPr>
+          <a:xfrm>
+            <a:off x="1079500" y="1782762"/>
+            <a:ext cx="6985000" cy="3810000"/>
+          </a:xfrm>
+        </p:spPr>
+      </p:pic>
+    </p:spTree>
+  </p:cSld>
+  <p:clrMapOvr>
+    <a:masterClrMapping/>
+  </p:clrMapOvr>
+  <p:timing>
+    <p:tnLst>
+      <p:par>
+        <p:cTn id="1" dur="indefinite" restart="never" nodeType="tmRoot"/>
+      </p:par>
+    </p:tnLst>
+  </p:timing>
+</p:sld>
+</file>
+
+<file path=ppt/slides/slide31.xml><?xml version="1.0" encoding="utf-8"?>
+<p:sld xmlns:a="http://schemas.openxmlformats.org/drawingml/2006/main" xmlns:r="http://schemas.openxmlformats.org/officeDocument/2006/relationships" xmlns:p="http://schemas.openxmlformats.org/presentationml/2006/main">
+  <p:cSld>
+    <p:spTree>
+      <p:nvGrpSpPr>
+        <p:cNvPr id="1" name=""/>
+        <p:cNvGrpSpPr/>
+        <p:nvPr/>
+      </p:nvGrpSpPr>
+      <p:grpSpPr>
+        <a:xfrm>
+          <a:off x="0" y="0"/>
+          <a:ext cx="0" cy="0"/>
+          <a:chOff x="0" y="0"/>
+          <a:chExt cx="0" cy="0"/>
+        </a:xfrm>
+      </p:grpSpPr>
+      <p:sp>
+        <p:nvSpPr>
+          <p:cNvPr id="2" name="1 Título"/>
+          <p:cNvSpPr>
+            <a:spLocks noGrp="1"/>
+          </p:cNvSpPr>
+          <p:nvPr>
+            <p:ph type="title"/>
+          </p:nvPr>
+        </p:nvSpPr>
+        <p:spPr/>
+        <p:txBody>
+          <a:bodyPr/>
+          <a:lstStyle/>
+          <a:p>
+            <a:r>
+              <a:rPr lang="es-ES" dirty="0" smtClean="0"/>
+              <a:t>GRACIAS!!!!</a:t>
+            </a:r>
+            <a:endParaRPr lang="es-ES" dirty="0"/>
+          </a:p>
+        </p:txBody>
+      </p:sp>
+    </p:spTree>
+  </p:cSld>
+  <p:clrMapOvr>
+    <a:masterClrMapping/>
+  </p:clrMapOvr>
+  <p:timing>
+    <p:tnLst>
+      <p:par>
+        <p:cTn id="1" dur="indefinite" restart="never" nodeType="tmRoot"/>
+      </p:par>
+    </p:tnLst>
+  </p:timing>
+</p:sld>
+</file>
+
+<file path=ppt/slides/slide32.xml><?xml version="1.0" encoding="utf-8"?>
+<p:sld xmlns:a="http://schemas.openxmlformats.org/drawingml/2006/main" xmlns:r="http://schemas.openxmlformats.org/officeDocument/2006/relationships" xmlns:p="http://schemas.openxmlformats.org/presentationml/2006/main">
+  <p:cSld>
+    <p:spTree>
+      <p:nvGrpSpPr>
+        <p:cNvPr id="1" name=""/>
+        <p:cNvGrpSpPr/>
+        <p:nvPr/>
+      </p:nvGrpSpPr>
+      <p:grpSpPr>
+        <a:xfrm>
+          <a:off x="0" y="0"/>
+          <a:ext cx="0" cy="0"/>
+          <a:chOff x="0" y="0"/>
+          <a:chExt cx="0" cy="0"/>
+        </a:xfrm>
+      </p:grpSpPr>
+      <p:sp>
+        <p:nvSpPr>
+          <p:cNvPr id="2" name="1 Título"/>
+          <p:cNvSpPr>
+            <a:spLocks noGrp="1"/>
+          </p:cNvSpPr>
+          <p:nvPr>
+            <p:ph type="title"/>
+          </p:nvPr>
+        </p:nvSpPr>
+        <p:spPr/>
+        <p:txBody>
+          <a:bodyPr>
+            <a:normAutofit/>
+          </a:bodyPr>
+          <a:lstStyle/>
+          <a:p>
+            <a:r>
+              <a:rPr lang="es-ES" dirty="0" smtClean="0"/>
+              <a:t>Trabajos relacionados</a:t>
+            </a:r>
+            <a:endParaRPr lang="es-ES" dirty="0"/>
+          </a:p>
+        </p:txBody>
+      </p:sp>
+      <p:sp>
+        <p:nvSpPr>
+          <p:cNvPr id="3" name="2 Marcador de contenido"/>
+          <p:cNvSpPr>
+            <a:spLocks noGrp="1"/>
+          </p:cNvSpPr>
+          <p:nvPr>
+            <p:ph sz="quarter" idx="1"/>
+          </p:nvPr>
+        </p:nvSpPr>
+        <p:spPr/>
+        <p:txBody>
+          <a:bodyPr>
+            <a:normAutofit/>
+          </a:bodyPr>
+          <a:lstStyle/>
+          <a:p>
+            <a:r>
+              <a:rPr lang="es-ES" dirty="0" smtClean="0"/>
+              <a:t>Método de </a:t>
+            </a:r>
+            <a:r>
+              <a:rPr lang="es-ES" dirty="0" err="1" smtClean="0"/>
+              <a:t>elicitación</a:t>
+            </a:r>
+            <a:endParaRPr lang="es-ES" dirty="0" smtClean="0"/>
+          </a:p>
+          <a:p>
+            <a:pPr lvl="1"/>
+            <a:r>
+              <a:rPr lang="es-ES" dirty="0" err="1" smtClean="0"/>
+              <a:t>Checklists</a:t>
+            </a:r>
+            <a:endParaRPr lang="es-ES" dirty="0" smtClean="0"/>
+          </a:p>
+          <a:p>
+            <a:pPr lvl="1"/>
+            <a:r>
+              <a:rPr lang="es-ES" dirty="0" err="1" smtClean="0"/>
+              <a:t>Templates</a:t>
+            </a:r>
+            <a:endParaRPr lang="es-ES" dirty="0" smtClean="0"/>
+          </a:p>
+          <a:p>
+            <a:pPr lvl="1"/>
+            <a:r>
+              <a:rPr lang="es-ES" dirty="0" smtClean="0"/>
+              <a:t>Cuestionarios</a:t>
+            </a:r>
+          </a:p>
+          <a:p>
+            <a:r>
+              <a:rPr lang="es-ES" dirty="0" smtClean="0"/>
+              <a:t>Herramientas semiautomáticas</a:t>
+            </a:r>
+          </a:p>
+          <a:p>
+            <a:pPr lvl="1"/>
+            <a:r>
+              <a:rPr lang="es-ES" dirty="0" smtClean="0"/>
+              <a:t>Comúnmente basadas en técnicas de IR o NLP</a:t>
+            </a:r>
+          </a:p>
+          <a:p>
+            <a:pPr lvl="1"/>
+            <a:endParaRPr lang="es-ES" dirty="0" smtClean="0"/>
+          </a:p>
+          <a:p>
+            <a:r>
+              <a:rPr lang="es-ES" dirty="0" smtClean="0"/>
+              <a:t>Generalmente,  estos enfoques no utilizan información </a:t>
+            </a:r>
+            <a:r>
+              <a:rPr lang="es-ES_tradnl" dirty="0" smtClean="0"/>
+              <a:t>proveniente </a:t>
+            </a:r>
+            <a:r>
+              <a:rPr lang="es-ES" dirty="0" smtClean="0"/>
+              <a:t>de los aspectos tempranos.</a:t>
+            </a:r>
+          </a:p>
+          <a:p>
+            <a:pPr lvl="1">
+              <a:buNone/>
+            </a:pPr>
+            <a:endParaRPr lang="es-ES" dirty="0" smtClean="0"/>
+          </a:p>
+          <a:p>
+            <a:pPr lvl="1">
+              <a:buNone/>
+            </a:pPr>
+            <a:endParaRPr lang="es-ES" dirty="0" smtClean="0"/>
+          </a:p>
+        </p:txBody>
+      </p:sp>
+    </p:spTree>
+  </p:cSld>
+  <p:clrMapOvr>
+    <a:masterClrMapping/>
+  </p:clrMapOvr>
+  <p:timing>
+    <p:tnLst>
+      <p:par>
+        <p:cTn id="1" dur="indefinite" restart="never" nodeType="tmRoot"/>
+      </p:par>
+    </p:tnLst>
   </p:timing>
 </p:sld>
 </file>

--- a/trunk/Capitulos Finales/Filminas.pptx
+++ b/trunk/Capitulos Finales/Filminas.pptx
@@ -230,7 +230,7 @@
             <a:fld id="{42D63BFC-F4BA-48C9-8576-4CE39202FED6}" type="datetimeFigureOut">
               <a:rPr lang="es-ES" smtClean="0"/>
               <a:pPr/>
-              <a:t>11/11/2010</a:t>
+              <a:t>12/11/2010</a:t>
             </a:fld>
             <a:endParaRPr lang="es-ES" dirty="0"/>
           </a:p>
@@ -722,7 +722,7 @@
             <a:fld id="{F7222BF2-5C0F-41D6-AF26-3ACA31A5334A}" type="datetimeFigureOut">
               <a:rPr lang="es-ES" smtClean="0"/>
               <a:pPr/>
-              <a:t>11/11/2010</a:t>
+              <a:t>12/11/2010</a:t>
             </a:fld>
             <a:endParaRPr lang="es-ES" dirty="0"/>
           </a:p>
@@ -1083,7 +1083,7 @@
             <a:fld id="{F7222BF2-5C0F-41D6-AF26-3ACA31A5334A}" type="datetimeFigureOut">
               <a:rPr lang="es-ES" smtClean="0"/>
               <a:pPr/>
-              <a:t>11/11/2010</a:t>
+              <a:t>12/11/2010</a:t>
             </a:fld>
             <a:endParaRPr lang="es-ES" dirty="0"/>
           </a:p>
@@ -1260,7 +1260,7 @@
             <a:fld id="{F7222BF2-5C0F-41D6-AF26-3ACA31A5334A}" type="datetimeFigureOut">
               <a:rPr lang="es-ES" smtClean="0"/>
               <a:pPr/>
-              <a:t>11/11/2010</a:t>
+              <a:t>12/11/2010</a:t>
             </a:fld>
             <a:endParaRPr lang="es-ES" dirty="0"/>
           </a:p>
@@ -1497,7 +1497,7 @@
             <a:fld id="{F7222BF2-5C0F-41D6-AF26-3ACA31A5334A}" type="datetimeFigureOut">
               <a:rPr lang="es-ES" smtClean="0"/>
               <a:pPr/>
-              <a:t>11/11/2010</a:t>
+              <a:t>12/11/2010</a:t>
             </a:fld>
             <a:endParaRPr lang="es-ES" dirty="0"/>
           </a:p>
@@ -1768,7 +1768,7 @@
             <a:fld id="{F7222BF2-5C0F-41D6-AF26-3ACA31A5334A}" type="datetimeFigureOut">
               <a:rPr lang="es-ES" smtClean="0"/>
               <a:pPr/>
-              <a:t>11/11/2010</a:t>
+              <a:t>12/11/2010</a:t>
             </a:fld>
             <a:endParaRPr lang="es-ES" dirty="0"/>
           </a:p>
@@ -1990,7 +1990,7 @@
             <a:fld id="{F7222BF2-5C0F-41D6-AF26-3ACA31A5334A}" type="datetimeFigureOut">
               <a:rPr lang="es-ES" smtClean="0"/>
               <a:pPr/>
-              <a:t>11/11/2010</a:t>
+              <a:t>12/11/2010</a:t>
             </a:fld>
             <a:endParaRPr lang="es-ES" dirty="0"/>
           </a:p>
@@ -2344,7 +2344,7 @@
             <a:fld id="{F7222BF2-5C0F-41D6-AF26-3ACA31A5334A}" type="datetimeFigureOut">
               <a:rPr lang="es-ES" smtClean="0"/>
               <a:pPr/>
-              <a:t>11/11/2010</a:t>
+              <a:t>12/11/2010</a:t>
             </a:fld>
             <a:endParaRPr lang="es-ES" dirty="0"/>
           </a:p>
@@ -2578,7 +2578,7 @@
             <a:fld id="{F7222BF2-5C0F-41D6-AF26-3ACA31A5334A}" type="datetimeFigureOut">
               <a:rPr lang="es-ES" smtClean="0"/>
               <a:pPr/>
-              <a:t>11/11/2010</a:t>
+              <a:t>12/11/2010</a:t>
             </a:fld>
             <a:endParaRPr lang="es-ES" dirty="0"/>
           </a:p>
@@ -2720,7 +2720,7 @@
             <a:fld id="{F7222BF2-5C0F-41D6-AF26-3ACA31A5334A}" type="datetimeFigureOut">
               <a:rPr lang="es-ES" smtClean="0"/>
               <a:pPr/>
-              <a:t>11/11/2010</a:t>
+              <a:t>12/11/2010</a:t>
             </a:fld>
             <a:endParaRPr lang="es-ES" dirty="0"/>
           </a:p>
@@ -2999,7 +2999,7 @@
             <a:fld id="{F7222BF2-5C0F-41D6-AF26-3ACA31A5334A}" type="datetimeFigureOut">
               <a:rPr lang="es-ES" smtClean="0"/>
               <a:pPr/>
-              <a:t>11/11/2010</a:t>
+              <a:t>12/11/2010</a:t>
             </a:fld>
             <a:endParaRPr lang="es-ES" dirty="0"/>
           </a:p>
@@ -3408,7 +3408,7 @@
             <a:fld id="{F7222BF2-5C0F-41D6-AF26-3ACA31A5334A}" type="datetimeFigureOut">
               <a:rPr lang="es-ES" smtClean="0"/>
               <a:pPr/>
-              <a:t>11/11/2010</a:t>
+              <a:t>12/11/2010</a:t>
             </a:fld>
             <a:endParaRPr lang="es-ES" dirty="0"/>
           </a:p>
@@ -3748,7 +3748,7 @@
             <a:fld id="{F7222BF2-5C0F-41D6-AF26-3ACA31A5334A}" type="datetimeFigureOut">
               <a:rPr lang="es-ES" smtClean="0"/>
               <a:pPr/>
-              <a:t>11/11/2010</a:t>
+              <a:t>12/11/2010</a:t>
             </a:fld>
             <a:endParaRPr lang="es-ES" dirty="0"/>
           </a:p>
@@ -4830,7 +4830,7 @@
         </p:xfrm>
         <a:graphic>
           <a:graphicData uri="http://schemas.openxmlformats.org/presentationml/2006/ole">
-            <p:oleObj spid="_x0000_s28680" name="Visio" r:id="rId3" imgW="5536846" imgH="3445815" progId="Visio.Drawing.11">
+            <p:oleObj spid="_x0000_s28680" name="Visio" r:id="rId3" imgW="5536846" imgH="3445815" progId="">
               <p:embed/>
             </p:oleObj>
           </a:graphicData>
@@ -5183,20 +5183,7 @@
           <a:p>
             <a:r>
               <a:rPr lang="es-ES_tradnl" dirty="0" smtClean="0"/>
-              <a:t>Casos de Uso </a:t>
-            </a:r>
-          </a:p>
-          <a:p>
-            <a:r>
-              <a:rPr lang="es-ES_tradnl" dirty="0" smtClean="0"/>
-              <a:t>Aspectos tempranos identificados mediante una herramienta de identificación de aspectos en requerimientos</a:t>
-            </a:r>
-          </a:p>
-          <a:p>
-            <a:pPr lvl="1"/>
-            <a:r>
-              <a:rPr lang="es-ES_tradnl" dirty="0" smtClean="0"/>
-              <a:t> </a:t>
+              <a:t>La datos de entrada son tomados por el </a:t>
             </a:r>
             <a:r>
               <a:rPr lang="es-ES_tradnl" dirty="0" err="1" smtClean="0"/>
@@ -5209,6 +5196,125 @@
             <a:r>
               <a:rPr lang="es-ES_tradnl" dirty="0" err="1" smtClean="0"/>
               <a:t>Tool</a:t>
+            </a:r>
+            <a:r>
+              <a:rPr lang="es-ES_tradnl" dirty="0" smtClean="0"/>
+              <a:t> (AET) </a:t>
+            </a:r>
+          </a:p>
+          <a:p>
+            <a:r>
+              <a:rPr lang="es-ES_tradnl" dirty="0" smtClean="0"/>
+              <a:t> AET: </a:t>
+            </a:r>
+            <a:r>
+              <a:rPr lang="es-AR" dirty="0" smtClean="0"/>
+              <a:t>Herramientas </a:t>
+            </a:r>
+            <a:r>
+              <a:rPr lang="es-AR" dirty="0" err="1" smtClean="0"/>
+              <a:t>semi</a:t>
+            </a:r>
+            <a:r>
+              <a:rPr lang="es-AR" dirty="0" smtClean="0"/>
+              <a:t>-automatizadas para identificar </a:t>
+            </a:r>
+            <a:r>
+              <a:rPr lang="es-AR" dirty="0" smtClean="0"/>
+              <a:t>aspectos tempranos desde </a:t>
+            </a:r>
+            <a:r>
+              <a:rPr lang="es-AR" dirty="0" smtClean="0"/>
+              <a:t>los </a:t>
+            </a:r>
+            <a:r>
+              <a:rPr lang="es-AR" dirty="0" smtClean="0"/>
+              <a:t>requerimientos.</a:t>
+            </a:r>
+            <a:endParaRPr lang="es-AR" dirty="0" smtClean="0"/>
+          </a:p>
+          <a:p>
+            <a:pPr lvl="1"/>
+            <a:r>
+              <a:rPr lang="es-AR" dirty="0" smtClean="0"/>
+              <a:t>Aspectos tempranos</a:t>
+            </a:r>
+          </a:p>
+          <a:p>
+            <a:pPr lvl="1"/>
+            <a:r>
+              <a:rPr lang="es-AR" dirty="0" smtClean="0"/>
+              <a:t>Casos de uso “atravesados” por </a:t>
+            </a:r>
+            <a:r>
+              <a:rPr lang="es-AR" dirty="0" err="1" smtClean="0"/>
+              <a:t>por</a:t>
+            </a:r>
+            <a:r>
+              <a:rPr lang="es-AR" dirty="0" smtClean="0"/>
+              <a:t> el aspecto temprano.</a:t>
+            </a:r>
+          </a:p>
+          <a:p>
+            <a:r>
+              <a:rPr lang="es-AR" dirty="0" smtClean="0"/>
+              <a:t>EL EAT especifica un aspecto temprano mediante un nombre y un conjunto de pares de palabras &lt;verbo, objeto&gt;.  Ejemplo:  </a:t>
+            </a:r>
+            <a:r>
+              <a:rPr lang="es-AR" dirty="0" err="1" smtClean="0"/>
+              <a:t>Validate</a:t>
+            </a:r>
+            <a:r>
+              <a:rPr lang="es-AR" dirty="0" smtClean="0"/>
+              <a:t> = (&lt;</a:t>
+            </a:r>
+            <a:r>
+              <a:rPr lang="es-AR" dirty="0" err="1" smtClean="0"/>
+              <a:t>validates</a:t>
+            </a:r>
+            <a:r>
+              <a:rPr lang="es-AR" dirty="0" smtClean="0"/>
+              <a:t>, </a:t>
+            </a:r>
+            <a:r>
+              <a:rPr lang="es-AR" dirty="0" err="1" smtClean="0"/>
+              <a:t>password</a:t>
+            </a:r>
+            <a:r>
+              <a:rPr lang="es-AR" dirty="0" smtClean="0"/>
+              <a:t>&gt;; &lt;</a:t>
+            </a:r>
+            <a:r>
+              <a:rPr lang="es-AR" dirty="0" err="1" smtClean="0"/>
+              <a:t>validate</a:t>
+            </a:r>
+            <a:r>
+              <a:rPr lang="es-AR" dirty="0" smtClean="0"/>
+              <a:t>, </a:t>
+            </a:r>
+            <a:r>
+              <a:rPr lang="es-AR" dirty="0" err="1" smtClean="0"/>
+              <a:t>employee</a:t>
+            </a:r>
+            <a:r>
+              <a:rPr lang="es-AR" dirty="0" smtClean="0"/>
+              <a:t>&gt;;  &lt;</a:t>
+            </a:r>
+            <a:r>
+              <a:rPr lang="es-AR" dirty="0" err="1" smtClean="0"/>
+              <a:t>validated</a:t>
+            </a:r>
+            <a:r>
+              <a:rPr lang="es-AR" dirty="0" smtClean="0"/>
+              <a:t>, </a:t>
+            </a:r>
+            <a:r>
+              <a:rPr lang="es-AR" dirty="0" err="1" smtClean="0"/>
+              <a:t>system</a:t>
+            </a:r>
+            <a:r>
+              <a:rPr lang="es-AR" dirty="0" smtClean="0"/>
+              <a:t>&gt; )</a:t>
             </a:r>
             <a:endParaRPr lang="es-ES_tradnl" dirty="0"/>
           </a:p>
@@ -5260,7 +5366,7 @@
         </p:xfrm>
         <a:graphic>
           <a:graphicData uri="http://schemas.openxmlformats.org/presentationml/2006/ole">
-            <p:oleObj spid="_x0000_s46082" name="Visio" r:id="rId3" imgW="5536846" imgH="3445815" progId="Visio.Drawing.11">
+            <p:oleObj spid="_x0000_s46082" name="Visio" r:id="rId3" imgW="5536846" imgH="3445815" progId="">
               <p:embed/>
             </p:oleObj>
           </a:graphicData>
@@ -5594,54 +5700,59 @@
             </a:r>
             <a:r>
               <a:rPr lang="es-ES_tradnl" dirty="0" err="1" smtClean="0"/>
-              <a:t>t</a:t>
-            </a:r>
-            <a:r>
-              <a:rPr lang="es-ES_tradnl" dirty="0" err="1" smtClean="0"/>
-              <a:t>okens</a:t>
+              <a:t>tokens</a:t>
             </a:r>
             <a:endParaRPr lang="es-ES_tradnl" dirty="0"/>
           </a:p>
         </p:txBody>
       </p:sp>
-      <p:sp>
-        <p:nvSpPr>
-          <p:cNvPr id="3" name="2 Marcador de contenido"/>
-          <p:cNvSpPr>
-            <a:spLocks noGrp="1"/>
-          </p:cNvSpPr>
+      <p:pic>
+        <p:nvPicPr>
+          <p:cNvPr id="57345" name="Picture 1"/>
+          <p:cNvPicPr>
+            <a:picLocks noGrp="1" noChangeAspect="1" noChangeArrowheads="1"/>
+          </p:cNvPicPr>
           <p:nvPr>
             <p:ph sz="quarter" idx="1"/>
           </p:nvPr>
-        </p:nvSpPr>
-        <p:spPr/>
-        <p:txBody>
-          <a:bodyPr/>
-          <a:lstStyle/>
-          <a:p>
-            <a:r>
-              <a:rPr lang="es-ES_tradnl" dirty="0" smtClean="0"/>
-              <a:t>Explicar Filtros</a:t>
-            </a:r>
-          </a:p>
-          <a:p>
-            <a:r>
-              <a:rPr lang="es-ES_tradnl" dirty="0" smtClean="0"/>
-              <a:t>Poner Imagen de </a:t>
-            </a:r>
-            <a:r>
-              <a:rPr lang="es-ES_tradnl" smtClean="0"/>
-              <a:t>la etapa</a:t>
-            </a:r>
-            <a:endParaRPr lang="es-ES_tradnl" dirty="0"/>
-          </a:p>
-        </p:txBody>
-      </p:sp>
+        </p:nvPicPr>
+        <p:blipFill>
+          <a:blip r:embed="rId2"/>
+          <a:srcRect/>
+          <a:stretch>
+            <a:fillRect/>
+          </a:stretch>
+        </p:blipFill>
+        <p:spPr bwMode="auto">
+          <a:xfrm>
+            <a:off x="1418252" y="1176691"/>
+            <a:ext cx="6438123" cy="5126152"/>
+          </a:xfrm>
+          <a:prstGeom prst="rect">
+            <a:avLst/>
+          </a:prstGeom>
+          <a:noFill/>
+          <a:ln w="9525">
+            <a:noFill/>
+            <a:miter lim="800000"/>
+            <a:headEnd/>
+            <a:tailEnd/>
+          </a:ln>
+          <a:effectLst/>
+        </p:spPr>
+      </p:pic>
     </p:spTree>
   </p:cSld>
   <p:clrMapOvr>
     <a:masterClrMapping/>
   </p:clrMapOvr>
+  <p:timing>
+    <p:tnLst>
+      <p:par>
+        <p:cTn id="1" dur="indefinite" restart="never" nodeType="tmRoot"/>
+      </p:par>
+    </p:tnLst>
+  </p:timing>
 </p:sld>
 </file>
 
@@ -5676,7 +5787,7 @@
         </p:xfrm>
         <a:graphic>
           <a:graphicData uri="http://schemas.openxmlformats.org/presentationml/2006/ole">
-            <p:oleObj spid="_x0000_s47106" name="Visio" r:id="rId3" imgW="5536846" imgH="3445815" progId="Visio.Drawing.11">
+            <p:oleObj spid="_x0000_s47106" name="Visio" r:id="rId3" imgW="5536846" imgH="3445815" progId="">
               <p:embed/>
             </p:oleObj>
           </a:graphicData>
@@ -6016,40 +6127,53 @@
           </a:p>
         </p:txBody>
       </p:sp>
-      <p:sp>
-        <p:nvSpPr>
-          <p:cNvPr id="3" name="2 Marcador de contenido"/>
-          <p:cNvSpPr>
-            <a:spLocks noGrp="1"/>
-          </p:cNvSpPr>
+      <p:pic>
+        <p:nvPicPr>
+          <p:cNvPr id="59394" name="Picture 2"/>
+          <p:cNvPicPr>
+            <a:picLocks noGrp="1" noChangeAspect="1" noChangeArrowheads="1"/>
+          </p:cNvPicPr>
           <p:nvPr>
             <p:ph sz="quarter" idx="1"/>
           </p:nvPr>
-        </p:nvSpPr>
-        <p:spPr/>
-        <p:txBody>
-          <a:bodyPr/>
-          <a:lstStyle/>
-          <a:p>
-            <a:r>
-              <a:rPr lang="es-ES_tradnl" dirty="0" smtClean="0"/>
-              <a:t>Explicar algo de K</a:t>
-            </a:r>
-          </a:p>
-          <a:p>
-            <a:r>
-              <a:rPr lang="es-ES_tradnl" dirty="0" err="1" smtClean="0"/>
-              <a:t>Ontologia</a:t>
-            </a:r>
-            <a:endParaRPr lang="es-ES_tradnl" dirty="0"/>
-          </a:p>
-        </p:txBody>
-      </p:sp>
+        </p:nvPicPr>
+        <p:blipFill>
+          <a:blip r:embed="rId2"/>
+          <a:srcRect/>
+          <a:stretch>
+            <a:fillRect/>
+          </a:stretch>
+        </p:blipFill>
+        <p:spPr bwMode="auto">
+          <a:xfrm>
+            <a:off x="769285" y="1455576"/>
+            <a:ext cx="7884154" cy="4627983"/>
+          </a:xfrm>
+          <a:prstGeom prst="rect">
+            <a:avLst/>
+          </a:prstGeom>
+          <a:noFill/>
+          <a:ln w="9525">
+            <a:noFill/>
+            <a:miter lim="800000"/>
+            <a:headEnd/>
+            <a:tailEnd/>
+          </a:ln>
+          <a:effectLst/>
+        </p:spPr>
+      </p:pic>
     </p:spTree>
   </p:cSld>
   <p:clrMapOvr>
     <a:masterClrMapping/>
   </p:clrMapOvr>
+  <p:timing>
+    <p:tnLst>
+      <p:par>
+        <p:cTn id="1" dur="indefinite" restart="never" nodeType="tmRoot"/>
+      </p:par>
+    </p:tnLst>
+  </p:timing>
 </p:sld>
 </file>
 
@@ -9633,6 +9757,30 @@
           </a:p>
         </p:txBody>
       </p:sp>
+      <p:pic>
+        <p:nvPicPr>
+          <p:cNvPr id="4" name="3 Imagen" descr="cronometro.jpg"/>
+          <p:cNvPicPr>
+            <a:picLocks noChangeAspect="1"/>
+          </p:cNvPicPr>
+          <p:nvPr/>
+        </p:nvPicPr>
+        <p:blipFill>
+          <a:blip r:embed="rId2"/>
+          <a:stretch>
+            <a:fillRect/>
+          </a:stretch>
+        </p:blipFill>
+        <p:spPr>
+          <a:xfrm>
+            <a:off x="6062839" y="2556587"/>
+            <a:ext cx="1868181" cy="2540726"/>
+          </a:xfrm>
+          <a:prstGeom prst="rect">
+            <a:avLst/>
+          </a:prstGeom>
+        </p:spPr>
+      </p:pic>
     </p:spTree>
   </p:cSld>
   <p:clrMapOvr>
@@ -10068,6 +10216,54 @@
           </a:p>
         </p:txBody>
       </p:sp>
+      <p:pic>
+        <p:nvPicPr>
+          <p:cNvPr id="4" name="3 Imagen" descr="carita+feliz2.gif"/>
+          <p:cNvPicPr>
+            <a:picLocks noChangeAspect="1"/>
+          </p:cNvPicPr>
+          <p:nvPr/>
+        </p:nvPicPr>
+        <p:blipFill>
+          <a:blip r:embed="rId2"/>
+          <a:stretch>
+            <a:fillRect/>
+          </a:stretch>
+        </p:blipFill>
+        <p:spPr>
+          <a:xfrm>
+            <a:off x="6175504" y="1822774"/>
+            <a:ext cx="1047750" cy="1047750"/>
+          </a:xfrm>
+          <a:prstGeom prst="rect">
+            <a:avLst/>
+          </a:prstGeom>
+        </p:spPr>
+      </p:pic>
+      <p:pic>
+        <p:nvPicPr>
+          <p:cNvPr id="5" name="4 Imagen" descr="beask_carita_triste.jpg"/>
+          <p:cNvPicPr>
+            <a:picLocks noChangeAspect="1"/>
+          </p:cNvPicPr>
+          <p:nvPr/>
+        </p:nvPicPr>
+        <p:blipFill>
+          <a:blip r:embed="rId3"/>
+          <a:stretch>
+            <a:fillRect/>
+          </a:stretch>
+        </p:blipFill>
+        <p:spPr>
+          <a:xfrm>
+            <a:off x="6474927" y="4691096"/>
+            <a:ext cx="765629" cy="773285"/>
+          </a:xfrm>
+          <a:prstGeom prst="rect">
+            <a:avLst/>
+          </a:prstGeom>
+        </p:spPr>
+      </p:pic>
     </p:spTree>
   </p:cSld>
   <p:clrMapOvr>
